--- a/DesignPatterns.pptx
+++ b/DesignPatterns.pptx
@@ -5,7 +5,7 @@
     <p:sldMasterId id="2147483648" r:id="rId1"/>
   </p:sldMasterIdLst>
   <p:notesMasterIdLst>
-    <p:notesMasterId r:id="rId23"/>
+    <p:notesMasterId r:id="rId27"/>
   </p:notesMasterIdLst>
   <p:sldIdLst>
     <p:sldId id="256" r:id="rId2"/>
@@ -29,6 +29,10 @@
     <p:sldId id="275" r:id="rId20"/>
     <p:sldId id="278" r:id="rId21"/>
     <p:sldId id="277" r:id="rId22"/>
+    <p:sldId id="280" r:id="rId23"/>
+    <p:sldId id="279" r:id="rId24"/>
+    <p:sldId id="281" r:id="rId25"/>
+    <p:sldId id="282" r:id="rId26"/>
   </p:sldIdLst>
   <p:sldSz cx="9144000" cy="6858000" type="screen4x3"/>
   <p:notesSz cx="6858000" cy="9144000"/>
@@ -212,7 +216,7 @@
           <a:p>
             <a:fld id="{90B41700-0839-F243-A535-042F6A024DFB}" type="datetimeFigureOut">
               <a:rPr lang="en-US" smtClean="0"/>
-              <a:t>5/31/15</a:t>
+              <a:t>6/1/15</a:t>
             </a:fld>
             <a:endParaRPr lang="en-US"/>
           </a:p>
@@ -818,6 +822,94 @@
 </p:notes>
 </file>
 
+<file path=ppt/notesSlides/notesSlide12.xml><?xml version="1.0" encoding="utf-8"?>
+<p:notes xmlns:a="http://schemas.openxmlformats.org/drawingml/2006/main" xmlns:r="http://schemas.openxmlformats.org/officeDocument/2006/relationships" xmlns:p="http://schemas.openxmlformats.org/presentationml/2006/main">
+  <p:cSld>
+    <p:spTree>
+      <p:nvGrpSpPr>
+        <p:cNvPr id="1" name=""/>
+        <p:cNvGrpSpPr/>
+        <p:nvPr/>
+      </p:nvGrpSpPr>
+      <p:grpSpPr>
+        <a:xfrm>
+          <a:off x="0" y="0"/>
+          <a:ext cx="0" cy="0"/>
+          <a:chOff x="0" y="0"/>
+          <a:chExt cx="0" cy="0"/>
+        </a:xfrm>
+      </p:grpSpPr>
+      <p:sp>
+        <p:nvSpPr>
+          <p:cNvPr id="2" name="Slide Image Placeholder 1"/>
+          <p:cNvSpPr>
+            <a:spLocks noGrp="1" noRot="1" noChangeAspect="1"/>
+          </p:cNvSpPr>
+          <p:nvPr>
+            <p:ph type="sldImg"/>
+          </p:nvPr>
+        </p:nvSpPr>
+        <p:spPr/>
+      </p:sp>
+      <p:sp>
+        <p:nvSpPr>
+          <p:cNvPr id="3" name="Notes Placeholder 2"/>
+          <p:cNvSpPr>
+            <a:spLocks noGrp="1"/>
+          </p:cNvSpPr>
+          <p:nvPr>
+            <p:ph type="body" idx="1"/>
+          </p:nvPr>
+        </p:nvSpPr>
+        <p:spPr/>
+        <p:txBody>
+          <a:bodyPr/>
+          <a:lstStyle/>
+          <a:p>
+            <a:r>
+              <a:rPr lang="en-US" dirty="0" smtClean="0"/>
+              <a:t>page 12</a:t>
+            </a:r>
+            <a:endParaRPr lang="en-US" dirty="0"/>
+          </a:p>
+        </p:txBody>
+      </p:sp>
+      <p:sp>
+        <p:nvSpPr>
+          <p:cNvPr id="4" name="Slide Number Placeholder 3"/>
+          <p:cNvSpPr>
+            <a:spLocks noGrp="1"/>
+          </p:cNvSpPr>
+          <p:nvPr>
+            <p:ph type="sldNum" sz="quarter" idx="10"/>
+          </p:nvPr>
+        </p:nvSpPr>
+        <p:spPr/>
+        <p:txBody>
+          <a:bodyPr/>
+          <a:lstStyle/>
+          <a:p>
+            <a:fld id="{454A6EF9-4544-8140-BD76-BE66351C80D5}" type="slidenum">
+              <a:rPr lang="en-US" smtClean="0"/>
+              <a:t>22</a:t>
+            </a:fld>
+            <a:endParaRPr lang="en-US"/>
+          </a:p>
+        </p:txBody>
+      </p:sp>
+    </p:spTree>
+    <p:extLst>
+      <p:ext uri="{BB962C8B-B14F-4D97-AF65-F5344CB8AC3E}">
+        <p14:creationId xmlns:p14="http://schemas.microsoft.com/office/powerpoint/2010/main" val="1994504711"/>
+      </p:ext>
+    </p:extLst>
+  </p:cSld>
+  <p:clrMapOvr>
+    <a:masterClrMapping/>
+  </p:clrMapOvr>
+</p:notes>
+</file>
+
 <file path=ppt/notesSlides/notesSlide2.xml><?xml version="1.0" encoding="utf-8"?>
 <p:notes xmlns:a="http://schemas.openxmlformats.org/drawingml/2006/main" xmlns:r="http://schemas.openxmlformats.org/officeDocument/2006/relationships" xmlns:p="http://schemas.openxmlformats.org/presentationml/2006/main">
   <p:cSld>
@@ -1878,7 +1970,7 @@
           <a:p>
             <a:fld id="{23B3A833-FD3F-3F4D-8548-64399CD2140C}" type="datetimeFigureOut">
               <a:rPr lang="en-US" smtClean="0"/>
-              <a:t>5/31/15</a:t>
+              <a:t>6/1/15</a:t>
             </a:fld>
             <a:endParaRPr lang="en-US"/>
           </a:p>
@@ -2048,7 +2140,7 @@
           <a:p>
             <a:fld id="{23B3A833-FD3F-3F4D-8548-64399CD2140C}" type="datetimeFigureOut">
               <a:rPr lang="en-US" smtClean="0"/>
-              <a:t>5/31/15</a:t>
+              <a:t>6/1/15</a:t>
             </a:fld>
             <a:endParaRPr lang="en-US"/>
           </a:p>
@@ -2228,7 +2320,7 @@
           <a:p>
             <a:fld id="{23B3A833-FD3F-3F4D-8548-64399CD2140C}" type="datetimeFigureOut">
               <a:rPr lang="en-US" smtClean="0"/>
-              <a:t>5/31/15</a:t>
+              <a:t>6/1/15</a:t>
             </a:fld>
             <a:endParaRPr lang="en-US"/>
           </a:p>
@@ -2398,7 +2490,7 @@
           <a:p>
             <a:fld id="{23B3A833-FD3F-3F4D-8548-64399CD2140C}" type="datetimeFigureOut">
               <a:rPr lang="en-US" smtClean="0"/>
-              <a:t>5/31/15</a:t>
+              <a:t>6/1/15</a:t>
             </a:fld>
             <a:endParaRPr lang="en-US"/>
           </a:p>
@@ -2644,7 +2736,7 @@
           <a:p>
             <a:fld id="{23B3A833-FD3F-3F4D-8548-64399CD2140C}" type="datetimeFigureOut">
               <a:rPr lang="en-US" smtClean="0"/>
-              <a:t>5/31/15</a:t>
+              <a:t>6/1/15</a:t>
             </a:fld>
             <a:endParaRPr lang="en-US"/>
           </a:p>
@@ -2932,7 +3024,7 @@
           <a:p>
             <a:fld id="{23B3A833-FD3F-3F4D-8548-64399CD2140C}" type="datetimeFigureOut">
               <a:rPr lang="en-US" smtClean="0"/>
-              <a:t>5/31/15</a:t>
+              <a:t>6/1/15</a:t>
             </a:fld>
             <a:endParaRPr lang="en-US"/>
           </a:p>
@@ -3354,7 +3446,7 @@
           <a:p>
             <a:fld id="{23B3A833-FD3F-3F4D-8548-64399CD2140C}" type="datetimeFigureOut">
               <a:rPr lang="en-US" smtClean="0"/>
-              <a:t>5/31/15</a:t>
+              <a:t>6/1/15</a:t>
             </a:fld>
             <a:endParaRPr lang="en-US"/>
           </a:p>
@@ -3472,7 +3564,7 @@
           <a:p>
             <a:fld id="{23B3A833-FD3F-3F4D-8548-64399CD2140C}" type="datetimeFigureOut">
               <a:rPr lang="en-US" smtClean="0"/>
-              <a:t>5/31/15</a:t>
+              <a:t>6/1/15</a:t>
             </a:fld>
             <a:endParaRPr lang="en-US"/>
           </a:p>
@@ -3567,7 +3659,7 @@
           <a:p>
             <a:fld id="{23B3A833-FD3F-3F4D-8548-64399CD2140C}" type="datetimeFigureOut">
               <a:rPr lang="en-US" smtClean="0"/>
-              <a:t>5/31/15</a:t>
+              <a:t>6/1/15</a:t>
             </a:fld>
             <a:endParaRPr lang="en-US"/>
           </a:p>
@@ -3844,7 +3936,7 @@
           <a:p>
             <a:fld id="{23B3A833-FD3F-3F4D-8548-64399CD2140C}" type="datetimeFigureOut">
               <a:rPr lang="en-US" smtClean="0"/>
-              <a:t>5/31/15</a:t>
+              <a:t>6/1/15</a:t>
             </a:fld>
             <a:endParaRPr lang="en-US"/>
           </a:p>
@@ -4097,7 +4189,7 @@
           <a:p>
             <a:fld id="{23B3A833-FD3F-3F4D-8548-64399CD2140C}" type="datetimeFigureOut">
               <a:rPr lang="en-US" smtClean="0"/>
-              <a:t>5/31/15</a:t>
+              <a:t>6/1/15</a:t>
             </a:fld>
             <a:endParaRPr lang="en-US"/>
           </a:p>
@@ -4310,7 +4402,7 @@
           <a:p>
             <a:fld id="{23B3A833-FD3F-3F4D-8548-64399CD2140C}" type="datetimeFigureOut">
               <a:rPr lang="en-US" smtClean="0"/>
-              <a:t>5/31/15</a:t>
+              <a:t>6/1/15</a:t>
             </a:fld>
             <a:endParaRPr lang="en-US"/>
           </a:p>
@@ -4818,15 +4910,7 @@
           <a:p>
             <a:r>
               <a:rPr lang="en-US" dirty="0" smtClean="0"/>
-              <a:t>Design patterns are always best on a local scale, but are </a:t>
-            </a:r>
-            <a:r>
-              <a:rPr lang="en-US" dirty="0" smtClean="0"/>
-              <a:t>sometimes the </a:t>
-            </a:r>
-            <a:r>
-              <a:rPr lang="en-US" dirty="0" smtClean="0"/>
-              <a:t>worst in relation to the surrounding code.</a:t>
+              <a:t>Design patterns are always best on a local scale, but are sometimes the worst in relation to the surrounding code.</a:t>
             </a:r>
             <a:endParaRPr lang="en-US" dirty="0"/>
           </a:p>
@@ -11293,6 +11377,2797 @@
 </p:sld>
 </file>
 
+<file path=ppt/slides/slide22.xml><?xml version="1.0" encoding="utf-8"?>
+<p:sld xmlns:a="http://schemas.openxmlformats.org/drawingml/2006/main" xmlns:r="http://schemas.openxmlformats.org/officeDocument/2006/relationships" xmlns:p="http://schemas.openxmlformats.org/presentationml/2006/main">
+  <p:cSld>
+    <p:spTree>
+      <p:nvGrpSpPr>
+        <p:cNvPr id="1" name=""/>
+        <p:cNvGrpSpPr/>
+        <p:nvPr/>
+      </p:nvGrpSpPr>
+      <p:grpSpPr>
+        <a:xfrm>
+          <a:off x="0" y="0"/>
+          <a:ext cx="0" cy="0"/>
+          <a:chOff x="0" y="0"/>
+          <a:chExt cx="0" cy="0"/>
+        </a:xfrm>
+      </p:grpSpPr>
+      <p:pic>
+        <p:nvPicPr>
+          <p:cNvPr id="4" name="Picture 3" descr="DesignPatternRelationships.png"/>
+          <p:cNvPicPr>
+            <a:picLocks noChangeAspect="1"/>
+          </p:cNvPicPr>
+          <p:nvPr/>
+        </p:nvPicPr>
+        <p:blipFill>
+          <a:blip r:embed="rId3">
+            <a:extLst>
+              <a:ext uri="{28A0092B-C50C-407E-A947-70E740481C1C}">
+                <a14:useLocalDpi xmlns:a14="http://schemas.microsoft.com/office/drawing/2010/main" val="0"/>
+              </a:ext>
+            </a:extLst>
+          </a:blip>
+          <a:stretch>
+            <a:fillRect/>
+          </a:stretch>
+        </p:blipFill>
+        <p:spPr>
+          <a:xfrm>
+            <a:off x="1733343" y="225042"/>
+            <a:ext cx="5474313" cy="6238918"/>
+          </a:xfrm>
+          <a:prstGeom prst="rect">
+            <a:avLst/>
+          </a:prstGeom>
+        </p:spPr>
+      </p:pic>
+    </p:spTree>
+    <p:extLst>
+      <p:ext uri="{BB962C8B-B14F-4D97-AF65-F5344CB8AC3E}">
+        <p14:creationId xmlns:p14="http://schemas.microsoft.com/office/powerpoint/2010/main" val="731738208"/>
+      </p:ext>
+    </p:extLst>
+  </p:cSld>
+  <p:clrMapOvr>
+    <a:masterClrMapping/>
+  </p:clrMapOvr>
+</p:sld>
+</file>
+
+<file path=ppt/slides/slide23.xml><?xml version="1.0" encoding="utf-8"?>
+<p:sld xmlns:a="http://schemas.openxmlformats.org/drawingml/2006/main" xmlns:r="http://schemas.openxmlformats.org/officeDocument/2006/relationships" xmlns:p="http://schemas.openxmlformats.org/presentationml/2006/main">
+  <p:cSld>
+    <p:spTree>
+      <p:nvGrpSpPr>
+        <p:cNvPr id="1" name=""/>
+        <p:cNvGrpSpPr/>
+        <p:nvPr/>
+      </p:nvGrpSpPr>
+      <p:grpSpPr>
+        <a:xfrm>
+          <a:off x="0" y="0"/>
+          <a:ext cx="0" cy="0"/>
+          <a:chOff x="0" y="0"/>
+          <a:chExt cx="0" cy="0"/>
+        </a:xfrm>
+      </p:grpSpPr>
+      <p:sp>
+        <p:nvSpPr>
+          <p:cNvPr id="2" name="Title 1"/>
+          <p:cNvSpPr>
+            <a:spLocks noGrp="1"/>
+          </p:cNvSpPr>
+          <p:nvPr>
+            <p:ph type="title"/>
+          </p:nvPr>
+        </p:nvSpPr>
+        <p:spPr/>
+        <p:txBody>
+          <a:bodyPr/>
+          <a:lstStyle/>
+          <a:p>
+            <a:r>
+              <a:rPr lang="en-US" dirty="0" smtClean="0"/>
+              <a:t>Mediator</a:t>
+            </a:r>
+            <a:endParaRPr lang="en-US" dirty="0"/>
+          </a:p>
+        </p:txBody>
+      </p:sp>
+      <p:sp>
+        <p:nvSpPr>
+          <p:cNvPr id="4" name="Rectangle 3"/>
+          <p:cNvSpPr/>
+          <p:nvPr/>
+        </p:nvSpPr>
+        <p:spPr>
+          <a:xfrm>
+            <a:off x="1098310" y="1556101"/>
+            <a:ext cx="1132632" cy="583538"/>
+          </a:xfrm>
+          <a:prstGeom prst="rect">
+            <a:avLst/>
+          </a:prstGeom>
+        </p:spPr>
+        <p:style>
+          <a:lnRef idx="2">
+            <a:schemeClr val="dk1"/>
+          </a:lnRef>
+          <a:fillRef idx="1">
+            <a:schemeClr val="lt1"/>
+          </a:fillRef>
+          <a:effectRef idx="0">
+            <a:schemeClr val="dk1"/>
+          </a:effectRef>
+          <a:fontRef idx="minor">
+            <a:schemeClr val="dk1"/>
+          </a:fontRef>
+        </p:style>
+        <p:txBody>
+          <a:bodyPr rtlCol="0" anchor="ctr"/>
+          <a:lstStyle/>
+          <a:p>
+            <a:pPr algn="ctr"/>
+            <a:r>
+              <a:rPr lang="en-US" dirty="0" smtClean="0"/>
+              <a:t>Colleague</a:t>
+            </a:r>
+            <a:endParaRPr lang="en-US" dirty="0"/>
+          </a:p>
+        </p:txBody>
+      </p:sp>
+      <p:sp>
+        <p:nvSpPr>
+          <p:cNvPr id="5" name="Rectangle 4"/>
+          <p:cNvSpPr/>
+          <p:nvPr/>
+        </p:nvSpPr>
+        <p:spPr>
+          <a:xfrm>
+            <a:off x="6215985" y="1708501"/>
+            <a:ext cx="1132632" cy="583538"/>
+          </a:xfrm>
+          <a:prstGeom prst="rect">
+            <a:avLst/>
+          </a:prstGeom>
+        </p:spPr>
+        <p:style>
+          <a:lnRef idx="2">
+            <a:schemeClr val="dk1"/>
+          </a:lnRef>
+          <a:fillRef idx="1">
+            <a:schemeClr val="lt1"/>
+          </a:fillRef>
+          <a:effectRef idx="0">
+            <a:schemeClr val="dk1"/>
+          </a:effectRef>
+          <a:fontRef idx="minor">
+            <a:schemeClr val="dk1"/>
+          </a:fontRef>
+        </p:style>
+        <p:txBody>
+          <a:bodyPr rtlCol="0" anchor="ctr"/>
+          <a:lstStyle/>
+          <a:p>
+            <a:pPr algn="ctr"/>
+            <a:r>
+              <a:rPr lang="en-US" dirty="0" smtClean="0"/>
+              <a:t>Colleague</a:t>
+            </a:r>
+            <a:endParaRPr lang="en-US" dirty="0"/>
+          </a:p>
+        </p:txBody>
+      </p:sp>
+      <p:sp>
+        <p:nvSpPr>
+          <p:cNvPr id="6" name="Rectangle 5"/>
+          <p:cNvSpPr/>
+          <p:nvPr/>
+        </p:nvSpPr>
+        <p:spPr>
+          <a:xfrm>
+            <a:off x="600972" y="4721381"/>
+            <a:ext cx="1132632" cy="583538"/>
+          </a:xfrm>
+          <a:prstGeom prst="rect">
+            <a:avLst/>
+          </a:prstGeom>
+        </p:spPr>
+        <p:style>
+          <a:lnRef idx="2">
+            <a:schemeClr val="dk1"/>
+          </a:lnRef>
+          <a:fillRef idx="1">
+            <a:schemeClr val="lt1"/>
+          </a:fillRef>
+          <a:effectRef idx="0">
+            <a:schemeClr val="dk1"/>
+          </a:effectRef>
+          <a:fontRef idx="minor">
+            <a:schemeClr val="dk1"/>
+          </a:fontRef>
+        </p:style>
+        <p:txBody>
+          <a:bodyPr rtlCol="0" anchor="ctr"/>
+          <a:lstStyle/>
+          <a:p>
+            <a:pPr algn="ctr"/>
+            <a:r>
+              <a:rPr lang="en-US" dirty="0" smtClean="0"/>
+              <a:t>Colleague</a:t>
+            </a:r>
+            <a:endParaRPr lang="en-US" dirty="0"/>
+          </a:p>
+        </p:txBody>
+      </p:sp>
+      <p:sp>
+        <p:nvSpPr>
+          <p:cNvPr id="7" name="Rectangle 6"/>
+          <p:cNvSpPr/>
+          <p:nvPr/>
+        </p:nvSpPr>
+        <p:spPr>
+          <a:xfrm>
+            <a:off x="4872892" y="5416318"/>
+            <a:ext cx="1132632" cy="583538"/>
+          </a:xfrm>
+          <a:prstGeom prst="rect">
+            <a:avLst/>
+          </a:prstGeom>
+        </p:spPr>
+        <p:style>
+          <a:lnRef idx="2">
+            <a:schemeClr val="dk1"/>
+          </a:lnRef>
+          <a:fillRef idx="1">
+            <a:schemeClr val="lt1"/>
+          </a:fillRef>
+          <a:effectRef idx="0">
+            <a:schemeClr val="dk1"/>
+          </a:effectRef>
+          <a:fontRef idx="minor">
+            <a:schemeClr val="dk1"/>
+          </a:fontRef>
+        </p:style>
+        <p:txBody>
+          <a:bodyPr rtlCol="0" anchor="ctr"/>
+          <a:lstStyle/>
+          <a:p>
+            <a:pPr algn="ctr"/>
+            <a:r>
+              <a:rPr lang="en-US" dirty="0" smtClean="0"/>
+              <a:t>Colleague</a:t>
+            </a:r>
+            <a:endParaRPr lang="en-US" dirty="0"/>
+          </a:p>
+        </p:txBody>
+      </p:sp>
+      <p:sp>
+        <p:nvSpPr>
+          <p:cNvPr id="8" name="Rectangle 7"/>
+          <p:cNvSpPr/>
+          <p:nvPr/>
+        </p:nvSpPr>
+        <p:spPr>
+          <a:xfrm>
+            <a:off x="6929743" y="2875259"/>
+            <a:ext cx="1132632" cy="583538"/>
+          </a:xfrm>
+          <a:prstGeom prst="rect">
+            <a:avLst/>
+          </a:prstGeom>
+        </p:spPr>
+        <p:style>
+          <a:lnRef idx="2">
+            <a:schemeClr val="dk1"/>
+          </a:lnRef>
+          <a:fillRef idx="1">
+            <a:schemeClr val="lt1"/>
+          </a:fillRef>
+          <a:effectRef idx="0">
+            <a:schemeClr val="dk1"/>
+          </a:effectRef>
+          <a:fontRef idx="minor">
+            <a:schemeClr val="dk1"/>
+          </a:fontRef>
+        </p:style>
+        <p:txBody>
+          <a:bodyPr rtlCol="0" anchor="ctr"/>
+          <a:lstStyle/>
+          <a:p>
+            <a:pPr algn="ctr"/>
+            <a:r>
+              <a:rPr lang="en-US" dirty="0" smtClean="0"/>
+              <a:t>Colleague</a:t>
+            </a:r>
+            <a:endParaRPr lang="en-US" dirty="0"/>
+          </a:p>
+        </p:txBody>
+      </p:sp>
+      <p:sp>
+        <p:nvSpPr>
+          <p:cNvPr id="9" name="Rectangle 8"/>
+          <p:cNvSpPr/>
+          <p:nvPr/>
+        </p:nvSpPr>
+        <p:spPr>
+          <a:xfrm>
+            <a:off x="3233197" y="3871660"/>
+            <a:ext cx="1132632" cy="583538"/>
+          </a:xfrm>
+          <a:prstGeom prst="rect">
+            <a:avLst/>
+          </a:prstGeom>
+        </p:spPr>
+        <p:style>
+          <a:lnRef idx="2">
+            <a:schemeClr val="dk1"/>
+          </a:lnRef>
+          <a:fillRef idx="1">
+            <a:schemeClr val="lt1"/>
+          </a:fillRef>
+          <a:effectRef idx="0">
+            <a:schemeClr val="dk1"/>
+          </a:effectRef>
+          <a:fontRef idx="minor">
+            <a:schemeClr val="dk1"/>
+          </a:fontRef>
+        </p:style>
+        <p:txBody>
+          <a:bodyPr rtlCol="0" anchor="ctr"/>
+          <a:lstStyle/>
+          <a:p>
+            <a:pPr algn="ctr"/>
+            <a:r>
+              <a:rPr lang="en-US" dirty="0" smtClean="0"/>
+              <a:t>Colleague</a:t>
+            </a:r>
+            <a:endParaRPr lang="en-US" dirty="0"/>
+          </a:p>
+        </p:txBody>
+      </p:sp>
+      <p:sp>
+        <p:nvSpPr>
+          <p:cNvPr id="10" name="Rectangle 9"/>
+          <p:cNvSpPr/>
+          <p:nvPr/>
+        </p:nvSpPr>
+        <p:spPr>
+          <a:xfrm>
+            <a:off x="4872892" y="3167028"/>
+            <a:ext cx="1132632" cy="583538"/>
+          </a:xfrm>
+          <a:prstGeom prst="rect">
+            <a:avLst/>
+          </a:prstGeom>
+        </p:spPr>
+        <p:style>
+          <a:lnRef idx="2">
+            <a:schemeClr val="dk1"/>
+          </a:lnRef>
+          <a:fillRef idx="1">
+            <a:schemeClr val="lt1"/>
+          </a:fillRef>
+          <a:effectRef idx="0">
+            <a:schemeClr val="dk1"/>
+          </a:effectRef>
+          <a:fontRef idx="minor">
+            <a:schemeClr val="dk1"/>
+          </a:fontRef>
+        </p:style>
+        <p:txBody>
+          <a:bodyPr rtlCol="0" anchor="ctr"/>
+          <a:lstStyle/>
+          <a:p>
+            <a:pPr algn="ctr"/>
+            <a:r>
+              <a:rPr lang="en-US" dirty="0" smtClean="0"/>
+              <a:t>Colleague</a:t>
+            </a:r>
+            <a:endParaRPr lang="en-US" dirty="0"/>
+          </a:p>
+        </p:txBody>
+      </p:sp>
+      <p:sp>
+        <p:nvSpPr>
+          <p:cNvPr id="11" name="Rectangle 10"/>
+          <p:cNvSpPr/>
+          <p:nvPr/>
+        </p:nvSpPr>
+        <p:spPr>
+          <a:xfrm>
+            <a:off x="3926982" y="1886963"/>
+            <a:ext cx="1132632" cy="583538"/>
+          </a:xfrm>
+          <a:prstGeom prst="rect">
+            <a:avLst/>
+          </a:prstGeom>
+        </p:spPr>
+        <p:style>
+          <a:lnRef idx="2">
+            <a:schemeClr val="dk1"/>
+          </a:lnRef>
+          <a:fillRef idx="1">
+            <a:schemeClr val="lt1"/>
+          </a:fillRef>
+          <a:effectRef idx="0">
+            <a:schemeClr val="dk1"/>
+          </a:effectRef>
+          <a:fontRef idx="minor">
+            <a:schemeClr val="dk1"/>
+          </a:fontRef>
+        </p:style>
+        <p:txBody>
+          <a:bodyPr rtlCol="0" anchor="ctr"/>
+          <a:lstStyle/>
+          <a:p>
+            <a:pPr algn="ctr"/>
+            <a:r>
+              <a:rPr lang="en-US" dirty="0" smtClean="0"/>
+              <a:t>Colleague</a:t>
+            </a:r>
+            <a:endParaRPr lang="en-US" dirty="0"/>
+          </a:p>
+        </p:txBody>
+      </p:sp>
+      <p:sp>
+        <p:nvSpPr>
+          <p:cNvPr id="12" name="Rectangle 11"/>
+          <p:cNvSpPr/>
+          <p:nvPr/>
+        </p:nvSpPr>
+        <p:spPr>
+          <a:xfrm>
+            <a:off x="1664626" y="3458797"/>
+            <a:ext cx="1132632" cy="583538"/>
+          </a:xfrm>
+          <a:prstGeom prst="rect">
+            <a:avLst/>
+          </a:prstGeom>
+        </p:spPr>
+        <p:style>
+          <a:lnRef idx="2">
+            <a:schemeClr val="dk1"/>
+          </a:lnRef>
+          <a:fillRef idx="1">
+            <a:schemeClr val="lt1"/>
+          </a:fillRef>
+          <a:effectRef idx="0">
+            <a:schemeClr val="dk1"/>
+          </a:effectRef>
+          <a:fontRef idx="minor">
+            <a:schemeClr val="dk1"/>
+          </a:fontRef>
+        </p:style>
+        <p:txBody>
+          <a:bodyPr rtlCol="0" anchor="ctr"/>
+          <a:lstStyle/>
+          <a:p>
+            <a:pPr algn="ctr"/>
+            <a:r>
+              <a:rPr lang="en-US" dirty="0" smtClean="0"/>
+              <a:t>Colleague</a:t>
+            </a:r>
+            <a:endParaRPr lang="en-US" dirty="0"/>
+          </a:p>
+        </p:txBody>
+      </p:sp>
+      <p:sp>
+        <p:nvSpPr>
+          <p:cNvPr id="13" name="Rectangle 12"/>
+          <p:cNvSpPr/>
+          <p:nvPr/>
+        </p:nvSpPr>
+        <p:spPr>
+          <a:xfrm>
+            <a:off x="3056629" y="5124549"/>
+            <a:ext cx="1132632" cy="583538"/>
+          </a:xfrm>
+          <a:prstGeom prst="rect">
+            <a:avLst/>
+          </a:prstGeom>
+        </p:spPr>
+        <p:style>
+          <a:lnRef idx="2">
+            <a:schemeClr val="dk1"/>
+          </a:lnRef>
+          <a:fillRef idx="1">
+            <a:schemeClr val="lt1"/>
+          </a:fillRef>
+          <a:effectRef idx="0">
+            <a:schemeClr val="dk1"/>
+          </a:effectRef>
+          <a:fontRef idx="minor">
+            <a:schemeClr val="dk1"/>
+          </a:fontRef>
+        </p:style>
+        <p:txBody>
+          <a:bodyPr rtlCol="0" anchor="ctr"/>
+          <a:lstStyle/>
+          <a:p>
+            <a:pPr algn="ctr"/>
+            <a:r>
+              <a:rPr lang="en-US" dirty="0" smtClean="0"/>
+              <a:t>Colleague</a:t>
+            </a:r>
+            <a:endParaRPr lang="en-US" dirty="0"/>
+          </a:p>
+        </p:txBody>
+      </p:sp>
+      <p:sp>
+        <p:nvSpPr>
+          <p:cNvPr id="14" name="Rectangle 13"/>
+          <p:cNvSpPr/>
+          <p:nvPr/>
+        </p:nvSpPr>
+        <p:spPr>
+          <a:xfrm>
+            <a:off x="6363427" y="4163429"/>
+            <a:ext cx="1132632" cy="583538"/>
+          </a:xfrm>
+          <a:prstGeom prst="rect">
+            <a:avLst/>
+          </a:prstGeom>
+        </p:spPr>
+        <p:style>
+          <a:lnRef idx="2">
+            <a:schemeClr val="dk1"/>
+          </a:lnRef>
+          <a:fillRef idx="1">
+            <a:schemeClr val="lt1"/>
+          </a:fillRef>
+          <a:effectRef idx="0">
+            <a:schemeClr val="dk1"/>
+          </a:effectRef>
+          <a:fontRef idx="minor">
+            <a:schemeClr val="dk1"/>
+          </a:fontRef>
+        </p:style>
+        <p:txBody>
+          <a:bodyPr rtlCol="0" anchor="ctr"/>
+          <a:lstStyle/>
+          <a:p>
+            <a:pPr algn="ctr"/>
+            <a:r>
+              <a:rPr lang="en-US" dirty="0" smtClean="0"/>
+              <a:t>Colleague</a:t>
+            </a:r>
+            <a:endParaRPr lang="en-US" dirty="0"/>
+          </a:p>
+        </p:txBody>
+      </p:sp>
+      <p:cxnSp>
+        <p:nvCxnSpPr>
+          <p:cNvPr id="16" name="Straight Arrow Connector 15"/>
+          <p:cNvCxnSpPr>
+            <a:stCxn id="4" idx="3"/>
+            <a:endCxn id="11" idx="1"/>
+          </p:cNvCxnSpPr>
+          <p:nvPr/>
+        </p:nvCxnSpPr>
+        <p:spPr>
+          <a:xfrm>
+            <a:off x="2230942" y="1847870"/>
+            <a:ext cx="1696040" cy="330862"/>
+          </a:xfrm>
+          <a:prstGeom prst="straightConnector1">
+            <a:avLst/>
+          </a:prstGeom>
+          <a:ln>
+            <a:tailEnd type="arrow"/>
+          </a:ln>
+        </p:spPr>
+        <p:style>
+          <a:lnRef idx="1">
+            <a:schemeClr val="dk1"/>
+          </a:lnRef>
+          <a:fillRef idx="0">
+            <a:schemeClr val="dk1"/>
+          </a:fillRef>
+          <a:effectRef idx="0">
+            <a:schemeClr val="dk1"/>
+          </a:effectRef>
+          <a:fontRef idx="minor">
+            <a:schemeClr val="tx1"/>
+          </a:fontRef>
+        </p:style>
+      </p:cxnSp>
+      <p:cxnSp>
+        <p:nvCxnSpPr>
+          <p:cNvPr id="17" name="Straight Arrow Connector 16"/>
+          <p:cNvCxnSpPr>
+            <a:stCxn id="5" idx="1"/>
+            <a:endCxn id="10" idx="0"/>
+          </p:cNvCxnSpPr>
+          <p:nvPr/>
+        </p:nvCxnSpPr>
+        <p:spPr>
+          <a:xfrm flipH="1">
+            <a:off x="5439208" y="2000270"/>
+            <a:ext cx="776777" cy="1166758"/>
+          </a:xfrm>
+          <a:prstGeom prst="straightConnector1">
+            <a:avLst/>
+          </a:prstGeom>
+          <a:ln>
+            <a:tailEnd type="arrow"/>
+          </a:ln>
+        </p:spPr>
+        <p:style>
+          <a:lnRef idx="1">
+            <a:schemeClr val="dk1"/>
+          </a:lnRef>
+          <a:fillRef idx="0">
+            <a:schemeClr val="dk1"/>
+          </a:fillRef>
+          <a:effectRef idx="0">
+            <a:schemeClr val="dk1"/>
+          </a:effectRef>
+          <a:fontRef idx="minor">
+            <a:schemeClr val="tx1"/>
+          </a:fontRef>
+        </p:style>
+      </p:cxnSp>
+      <p:cxnSp>
+        <p:nvCxnSpPr>
+          <p:cNvPr id="18" name="Straight Arrow Connector 17"/>
+          <p:cNvCxnSpPr>
+            <a:stCxn id="11" idx="2"/>
+            <a:endCxn id="8" idx="0"/>
+          </p:cNvCxnSpPr>
+          <p:nvPr/>
+        </p:nvCxnSpPr>
+        <p:spPr>
+          <a:xfrm>
+            <a:off x="4493298" y="2470501"/>
+            <a:ext cx="3002761" cy="404758"/>
+          </a:xfrm>
+          <a:prstGeom prst="straightConnector1">
+            <a:avLst/>
+          </a:prstGeom>
+          <a:ln>
+            <a:tailEnd type="arrow"/>
+          </a:ln>
+        </p:spPr>
+        <p:style>
+          <a:lnRef idx="1">
+            <a:schemeClr val="dk1"/>
+          </a:lnRef>
+          <a:fillRef idx="0">
+            <a:schemeClr val="dk1"/>
+          </a:fillRef>
+          <a:effectRef idx="0">
+            <a:schemeClr val="dk1"/>
+          </a:effectRef>
+          <a:fontRef idx="minor">
+            <a:schemeClr val="tx1"/>
+          </a:fontRef>
+        </p:style>
+      </p:cxnSp>
+      <p:cxnSp>
+        <p:nvCxnSpPr>
+          <p:cNvPr id="19" name="Straight Arrow Connector 18"/>
+          <p:cNvCxnSpPr>
+            <a:stCxn id="9" idx="0"/>
+            <a:endCxn id="10" idx="1"/>
+          </p:cNvCxnSpPr>
+          <p:nvPr/>
+        </p:nvCxnSpPr>
+        <p:spPr>
+          <a:xfrm flipV="1">
+            <a:off x="3799513" y="3458797"/>
+            <a:ext cx="1073379" cy="412863"/>
+          </a:xfrm>
+          <a:prstGeom prst="straightConnector1">
+            <a:avLst/>
+          </a:prstGeom>
+          <a:ln>
+            <a:tailEnd type="arrow"/>
+          </a:ln>
+        </p:spPr>
+        <p:style>
+          <a:lnRef idx="1">
+            <a:schemeClr val="dk1"/>
+          </a:lnRef>
+          <a:fillRef idx="0">
+            <a:schemeClr val="dk1"/>
+          </a:fillRef>
+          <a:effectRef idx="0">
+            <a:schemeClr val="dk1"/>
+          </a:effectRef>
+          <a:fontRef idx="minor">
+            <a:schemeClr val="tx1"/>
+          </a:fontRef>
+        </p:style>
+      </p:cxnSp>
+      <p:cxnSp>
+        <p:nvCxnSpPr>
+          <p:cNvPr id="20" name="Straight Arrow Connector 19"/>
+          <p:cNvCxnSpPr>
+            <a:stCxn id="12" idx="3"/>
+            <a:endCxn id="13" idx="1"/>
+          </p:cNvCxnSpPr>
+          <p:nvPr/>
+        </p:nvCxnSpPr>
+        <p:spPr>
+          <a:xfrm>
+            <a:off x="2797258" y="3750566"/>
+            <a:ext cx="259371" cy="1665752"/>
+          </a:xfrm>
+          <a:prstGeom prst="straightConnector1">
+            <a:avLst/>
+          </a:prstGeom>
+          <a:ln>
+            <a:tailEnd type="arrow"/>
+          </a:ln>
+        </p:spPr>
+        <p:style>
+          <a:lnRef idx="1">
+            <a:schemeClr val="dk1"/>
+          </a:lnRef>
+          <a:fillRef idx="0">
+            <a:schemeClr val="dk1"/>
+          </a:fillRef>
+          <a:effectRef idx="0">
+            <a:schemeClr val="dk1"/>
+          </a:effectRef>
+          <a:fontRef idx="minor">
+            <a:schemeClr val="tx1"/>
+          </a:fontRef>
+        </p:style>
+      </p:cxnSp>
+      <p:cxnSp>
+        <p:nvCxnSpPr>
+          <p:cNvPr id="21" name="Straight Arrow Connector 20"/>
+          <p:cNvCxnSpPr>
+            <a:stCxn id="6" idx="0"/>
+            <a:endCxn id="9" idx="1"/>
+          </p:cNvCxnSpPr>
+          <p:nvPr/>
+        </p:nvCxnSpPr>
+        <p:spPr>
+          <a:xfrm flipV="1">
+            <a:off x="1167288" y="4163429"/>
+            <a:ext cx="2065909" cy="557952"/>
+          </a:xfrm>
+          <a:prstGeom prst="straightConnector1">
+            <a:avLst/>
+          </a:prstGeom>
+          <a:ln>
+            <a:tailEnd type="arrow"/>
+          </a:ln>
+        </p:spPr>
+        <p:style>
+          <a:lnRef idx="1">
+            <a:schemeClr val="dk1"/>
+          </a:lnRef>
+          <a:fillRef idx="0">
+            <a:schemeClr val="dk1"/>
+          </a:fillRef>
+          <a:effectRef idx="0">
+            <a:schemeClr val="dk1"/>
+          </a:effectRef>
+          <a:fontRef idx="minor">
+            <a:schemeClr val="tx1"/>
+          </a:fontRef>
+        </p:style>
+      </p:cxnSp>
+      <p:cxnSp>
+        <p:nvCxnSpPr>
+          <p:cNvPr id="22" name="Straight Arrow Connector 21"/>
+          <p:cNvCxnSpPr>
+            <a:stCxn id="13" idx="0"/>
+            <a:endCxn id="9" idx="2"/>
+          </p:cNvCxnSpPr>
+          <p:nvPr/>
+        </p:nvCxnSpPr>
+        <p:spPr>
+          <a:xfrm flipV="1">
+            <a:off x="3622945" y="4455198"/>
+            <a:ext cx="176568" cy="669351"/>
+          </a:xfrm>
+          <a:prstGeom prst="straightConnector1">
+            <a:avLst/>
+          </a:prstGeom>
+          <a:ln>
+            <a:tailEnd type="arrow"/>
+          </a:ln>
+        </p:spPr>
+        <p:style>
+          <a:lnRef idx="1">
+            <a:schemeClr val="dk1"/>
+          </a:lnRef>
+          <a:fillRef idx="0">
+            <a:schemeClr val="dk1"/>
+          </a:fillRef>
+          <a:effectRef idx="0">
+            <a:schemeClr val="dk1"/>
+          </a:effectRef>
+          <a:fontRef idx="minor">
+            <a:schemeClr val="tx1"/>
+          </a:fontRef>
+        </p:style>
+      </p:cxnSp>
+      <p:cxnSp>
+        <p:nvCxnSpPr>
+          <p:cNvPr id="23" name="Straight Arrow Connector 22"/>
+          <p:cNvCxnSpPr>
+            <a:stCxn id="13" idx="3"/>
+            <a:endCxn id="10" idx="2"/>
+          </p:cNvCxnSpPr>
+          <p:nvPr/>
+        </p:nvCxnSpPr>
+        <p:spPr>
+          <a:xfrm flipV="1">
+            <a:off x="4189261" y="3750566"/>
+            <a:ext cx="1249947" cy="1665752"/>
+          </a:xfrm>
+          <a:prstGeom prst="straightConnector1">
+            <a:avLst/>
+          </a:prstGeom>
+          <a:ln>
+            <a:tailEnd type="arrow"/>
+          </a:ln>
+        </p:spPr>
+        <p:style>
+          <a:lnRef idx="1">
+            <a:schemeClr val="dk1"/>
+          </a:lnRef>
+          <a:fillRef idx="0">
+            <a:schemeClr val="dk1"/>
+          </a:fillRef>
+          <a:effectRef idx="0">
+            <a:schemeClr val="dk1"/>
+          </a:effectRef>
+          <a:fontRef idx="minor">
+            <a:schemeClr val="tx1"/>
+          </a:fontRef>
+        </p:style>
+      </p:cxnSp>
+      <p:cxnSp>
+        <p:nvCxnSpPr>
+          <p:cNvPr id="24" name="Straight Arrow Connector 23"/>
+          <p:cNvCxnSpPr>
+            <a:stCxn id="14" idx="1"/>
+            <a:endCxn id="7" idx="0"/>
+          </p:cNvCxnSpPr>
+          <p:nvPr/>
+        </p:nvCxnSpPr>
+        <p:spPr>
+          <a:xfrm flipH="1">
+            <a:off x="5439208" y="4455198"/>
+            <a:ext cx="924219" cy="961120"/>
+          </a:xfrm>
+          <a:prstGeom prst="straightConnector1">
+            <a:avLst/>
+          </a:prstGeom>
+          <a:ln>
+            <a:tailEnd type="arrow"/>
+          </a:ln>
+        </p:spPr>
+        <p:style>
+          <a:lnRef idx="1">
+            <a:schemeClr val="dk1"/>
+          </a:lnRef>
+          <a:fillRef idx="0">
+            <a:schemeClr val="dk1"/>
+          </a:fillRef>
+          <a:effectRef idx="0">
+            <a:schemeClr val="dk1"/>
+          </a:effectRef>
+          <a:fontRef idx="minor">
+            <a:schemeClr val="tx1"/>
+          </a:fontRef>
+        </p:style>
+      </p:cxnSp>
+      <p:cxnSp>
+        <p:nvCxnSpPr>
+          <p:cNvPr id="25" name="Straight Arrow Connector 24"/>
+          <p:cNvCxnSpPr>
+            <a:stCxn id="7" idx="0"/>
+            <a:endCxn id="5" idx="2"/>
+          </p:cNvCxnSpPr>
+          <p:nvPr/>
+        </p:nvCxnSpPr>
+        <p:spPr>
+          <a:xfrm flipV="1">
+            <a:off x="5439208" y="2292039"/>
+            <a:ext cx="1343093" cy="3124279"/>
+          </a:xfrm>
+          <a:prstGeom prst="straightConnector1">
+            <a:avLst/>
+          </a:prstGeom>
+          <a:ln>
+            <a:tailEnd type="arrow"/>
+          </a:ln>
+        </p:spPr>
+        <p:style>
+          <a:lnRef idx="1">
+            <a:schemeClr val="dk1"/>
+          </a:lnRef>
+          <a:fillRef idx="0">
+            <a:schemeClr val="dk1"/>
+          </a:fillRef>
+          <a:effectRef idx="0">
+            <a:schemeClr val="dk1"/>
+          </a:effectRef>
+          <a:fontRef idx="minor">
+            <a:schemeClr val="tx1"/>
+          </a:fontRef>
+        </p:style>
+      </p:cxnSp>
+      <p:cxnSp>
+        <p:nvCxnSpPr>
+          <p:cNvPr id="45" name="Straight Arrow Connector 44"/>
+          <p:cNvCxnSpPr>
+            <a:stCxn id="8" idx="1"/>
+            <a:endCxn id="10" idx="3"/>
+          </p:cNvCxnSpPr>
+          <p:nvPr/>
+        </p:nvCxnSpPr>
+        <p:spPr>
+          <a:xfrm flipH="1">
+            <a:off x="6005524" y="3167028"/>
+            <a:ext cx="924219" cy="291769"/>
+          </a:xfrm>
+          <a:prstGeom prst="straightConnector1">
+            <a:avLst/>
+          </a:prstGeom>
+          <a:ln>
+            <a:tailEnd type="arrow"/>
+          </a:ln>
+        </p:spPr>
+        <p:style>
+          <a:lnRef idx="1">
+            <a:schemeClr val="dk1"/>
+          </a:lnRef>
+          <a:fillRef idx="0">
+            <a:schemeClr val="dk1"/>
+          </a:fillRef>
+          <a:effectRef idx="0">
+            <a:schemeClr val="dk1"/>
+          </a:effectRef>
+          <a:fontRef idx="minor">
+            <a:schemeClr val="tx1"/>
+          </a:fontRef>
+        </p:style>
+      </p:cxnSp>
+    </p:spTree>
+    <p:extLst>
+      <p:ext uri="{BB962C8B-B14F-4D97-AF65-F5344CB8AC3E}">
+        <p14:creationId xmlns:p14="http://schemas.microsoft.com/office/powerpoint/2010/main" val="2275771055"/>
+      </p:ext>
+    </p:extLst>
+  </p:cSld>
+  <p:clrMapOvr>
+    <a:masterClrMapping/>
+  </p:clrMapOvr>
+</p:sld>
+</file>
+
+<file path=ppt/slides/slide24.xml><?xml version="1.0" encoding="utf-8"?>
+<p:sld xmlns:a="http://schemas.openxmlformats.org/drawingml/2006/main" xmlns:r="http://schemas.openxmlformats.org/officeDocument/2006/relationships" xmlns:p="http://schemas.openxmlformats.org/presentationml/2006/main">
+  <p:cSld>
+    <p:spTree>
+      <p:nvGrpSpPr>
+        <p:cNvPr id="1" name=""/>
+        <p:cNvGrpSpPr/>
+        <p:nvPr/>
+      </p:nvGrpSpPr>
+      <p:grpSpPr>
+        <a:xfrm>
+          <a:off x="0" y="0"/>
+          <a:ext cx="0" cy="0"/>
+          <a:chOff x="0" y="0"/>
+          <a:chExt cx="0" cy="0"/>
+        </a:xfrm>
+      </p:grpSpPr>
+      <p:sp>
+        <p:nvSpPr>
+          <p:cNvPr id="2" name="Title 1"/>
+          <p:cNvSpPr>
+            <a:spLocks noGrp="1"/>
+          </p:cNvSpPr>
+          <p:nvPr>
+            <p:ph type="title"/>
+          </p:nvPr>
+        </p:nvSpPr>
+        <p:spPr/>
+        <p:txBody>
+          <a:bodyPr/>
+          <a:lstStyle/>
+          <a:p>
+            <a:r>
+              <a:rPr lang="en-US" dirty="0" smtClean="0"/>
+              <a:t>Mediator</a:t>
+            </a:r>
+            <a:endParaRPr lang="en-US" dirty="0"/>
+          </a:p>
+        </p:txBody>
+      </p:sp>
+      <p:sp>
+        <p:nvSpPr>
+          <p:cNvPr id="4" name="Rectangle 3"/>
+          <p:cNvSpPr/>
+          <p:nvPr/>
+        </p:nvSpPr>
+        <p:spPr>
+          <a:xfrm>
+            <a:off x="2971681" y="3302265"/>
+            <a:ext cx="2188086" cy="1004506"/>
+          </a:xfrm>
+          <a:prstGeom prst="rect">
+            <a:avLst/>
+          </a:prstGeom>
+        </p:spPr>
+        <p:style>
+          <a:lnRef idx="2">
+            <a:schemeClr val="dk1"/>
+          </a:lnRef>
+          <a:fillRef idx="1">
+            <a:schemeClr val="lt1"/>
+          </a:fillRef>
+          <a:effectRef idx="0">
+            <a:schemeClr val="dk1"/>
+          </a:effectRef>
+          <a:fontRef idx="minor">
+            <a:schemeClr val="dk1"/>
+          </a:fontRef>
+        </p:style>
+        <p:txBody>
+          <a:bodyPr rtlCol="0" anchor="ctr"/>
+          <a:lstStyle/>
+          <a:p>
+            <a:pPr algn="ctr"/>
+            <a:r>
+              <a:rPr lang="en-US" dirty="0" smtClean="0"/>
+              <a:t>Mediator</a:t>
+            </a:r>
+            <a:endParaRPr lang="en-US" dirty="0"/>
+          </a:p>
+        </p:txBody>
+      </p:sp>
+      <p:sp>
+        <p:nvSpPr>
+          <p:cNvPr id="5" name="Rectangle 4"/>
+          <p:cNvSpPr/>
+          <p:nvPr/>
+        </p:nvSpPr>
+        <p:spPr>
+          <a:xfrm>
+            <a:off x="6215985" y="1708501"/>
+            <a:ext cx="1132632" cy="583538"/>
+          </a:xfrm>
+          <a:prstGeom prst="rect">
+            <a:avLst/>
+          </a:prstGeom>
+        </p:spPr>
+        <p:style>
+          <a:lnRef idx="2">
+            <a:schemeClr val="dk1"/>
+          </a:lnRef>
+          <a:fillRef idx="1">
+            <a:schemeClr val="lt1"/>
+          </a:fillRef>
+          <a:effectRef idx="0">
+            <a:schemeClr val="dk1"/>
+          </a:effectRef>
+          <a:fontRef idx="minor">
+            <a:schemeClr val="dk1"/>
+          </a:fontRef>
+        </p:style>
+        <p:txBody>
+          <a:bodyPr rtlCol="0" anchor="ctr"/>
+          <a:lstStyle/>
+          <a:p>
+            <a:pPr algn="ctr"/>
+            <a:r>
+              <a:rPr lang="en-US" dirty="0" smtClean="0"/>
+              <a:t>Colleague</a:t>
+            </a:r>
+            <a:endParaRPr lang="en-US" dirty="0"/>
+          </a:p>
+        </p:txBody>
+      </p:sp>
+      <p:sp>
+        <p:nvSpPr>
+          <p:cNvPr id="6" name="Rectangle 5"/>
+          <p:cNvSpPr/>
+          <p:nvPr/>
+        </p:nvSpPr>
+        <p:spPr>
+          <a:xfrm>
+            <a:off x="1436145" y="4832780"/>
+            <a:ext cx="1132632" cy="583538"/>
+          </a:xfrm>
+          <a:prstGeom prst="rect">
+            <a:avLst/>
+          </a:prstGeom>
+        </p:spPr>
+        <p:style>
+          <a:lnRef idx="2">
+            <a:schemeClr val="dk1"/>
+          </a:lnRef>
+          <a:fillRef idx="1">
+            <a:schemeClr val="lt1"/>
+          </a:fillRef>
+          <a:effectRef idx="0">
+            <a:schemeClr val="dk1"/>
+          </a:effectRef>
+          <a:fontRef idx="minor">
+            <a:schemeClr val="dk1"/>
+          </a:fontRef>
+        </p:style>
+        <p:txBody>
+          <a:bodyPr rtlCol="0" anchor="ctr"/>
+          <a:lstStyle/>
+          <a:p>
+            <a:pPr algn="ctr"/>
+            <a:r>
+              <a:rPr lang="en-US" dirty="0" smtClean="0"/>
+              <a:t>Colleague</a:t>
+            </a:r>
+            <a:endParaRPr lang="en-US" dirty="0"/>
+          </a:p>
+        </p:txBody>
+      </p:sp>
+      <p:sp>
+        <p:nvSpPr>
+          <p:cNvPr id="7" name="Rectangle 6"/>
+          <p:cNvSpPr/>
+          <p:nvPr/>
+        </p:nvSpPr>
+        <p:spPr>
+          <a:xfrm>
+            <a:off x="4872892" y="5416318"/>
+            <a:ext cx="1132632" cy="583538"/>
+          </a:xfrm>
+          <a:prstGeom prst="rect">
+            <a:avLst/>
+          </a:prstGeom>
+        </p:spPr>
+        <p:style>
+          <a:lnRef idx="2">
+            <a:schemeClr val="dk1"/>
+          </a:lnRef>
+          <a:fillRef idx="1">
+            <a:schemeClr val="lt1"/>
+          </a:fillRef>
+          <a:effectRef idx="0">
+            <a:schemeClr val="dk1"/>
+          </a:effectRef>
+          <a:fontRef idx="minor">
+            <a:schemeClr val="dk1"/>
+          </a:fontRef>
+        </p:style>
+        <p:txBody>
+          <a:bodyPr rtlCol="0" anchor="ctr"/>
+          <a:lstStyle/>
+          <a:p>
+            <a:pPr algn="ctr"/>
+            <a:r>
+              <a:rPr lang="en-US" dirty="0" smtClean="0"/>
+              <a:t>Colleague</a:t>
+            </a:r>
+            <a:endParaRPr lang="en-US" dirty="0"/>
+          </a:p>
+        </p:txBody>
+      </p:sp>
+      <p:sp>
+        <p:nvSpPr>
+          <p:cNvPr id="8" name="Rectangle 7"/>
+          <p:cNvSpPr/>
+          <p:nvPr/>
+        </p:nvSpPr>
+        <p:spPr>
+          <a:xfrm>
+            <a:off x="6929743" y="2875259"/>
+            <a:ext cx="1132632" cy="583538"/>
+          </a:xfrm>
+          <a:prstGeom prst="rect">
+            <a:avLst/>
+          </a:prstGeom>
+        </p:spPr>
+        <p:style>
+          <a:lnRef idx="2">
+            <a:schemeClr val="dk1"/>
+          </a:lnRef>
+          <a:fillRef idx="1">
+            <a:schemeClr val="lt1"/>
+          </a:fillRef>
+          <a:effectRef idx="0">
+            <a:schemeClr val="dk1"/>
+          </a:effectRef>
+          <a:fontRef idx="minor">
+            <a:schemeClr val="dk1"/>
+          </a:fontRef>
+        </p:style>
+        <p:txBody>
+          <a:bodyPr rtlCol="0" anchor="ctr"/>
+          <a:lstStyle/>
+          <a:p>
+            <a:pPr algn="ctr"/>
+            <a:r>
+              <a:rPr lang="en-US" dirty="0" smtClean="0"/>
+              <a:t>Colleague</a:t>
+            </a:r>
+            <a:endParaRPr lang="en-US" dirty="0"/>
+          </a:p>
+        </p:txBody>
+      </p:sp>
+      <p:sp>
+        <p:nvSpPr>
+          <p:cNvPr id="9" name="Rectangle 8"/>
+          <p:cNvSpPr/>
+          <p:nvPr/>
+        </p:nvSpPr>
+        <p:spPr>
+          <a:xfrm>
+            <a:off x="2666881" y="1708501"/>
+            <a:ext cx="1132632" cy="583538"/>
+          </a:xfrm>
+          <a:prstGeom prst="rect">
+            <a:avLst/>
+          </a:prstGeom>
+        </p:spPr>
+        <p:style>
+          <a:lnRef idx="2">
+            <a:schemeClr val="dk1"/>
+          </a:lnRef>
+          <a:fillRef idx="1">
+            <a:schemeClr val="lt1"/>
+          </a:fillRef>
+          <a:effectRef idx="0">
+            <a:schemeClr val="dk1"/>
+          </a:effectRef>
+          <a:fontRef idx="minor">
+            <a:schemeClr val="dk1"/>
+          </a:fontRef>
+        </p:style>
+        <p:txBody>
+          <a:bodyPr rtlCol="0" anchor="ctr"/>
+          <a:lstStyle/>
+          <a:p>
+            <a:pPr algn="ctr"/>
+            <a:r>
+              <a:rPr lang="en-US" dirty="0" smtClean="0"/>
+              <a:t>Colleague</a:t>
+            </a:r>
+            <a:endParaRPr lang="en-US" dirty="0"/>
+          </a:p>
+        </p:txBody>
+      </p:sp>
+      <p:sp>
+        <p:nvSpPr>
+          <p:cNvPr id="10" name="Rectangle 9"/>
+          <p:cNvSpPr/>
+          <p:nvPr/>
+        </p:nvSpPr>
+        <p:spPr>
+          <a:xfrm>
+            <a:off x="4403822" y="1648908"/>
+            <a:ext cx="1132632" cy="583538"/>
+          </a:xfrm>
+          <a:prstGeom prst="rect">
+            <a:avLst/>
+          </a:prstGeom>
+        </p:spPr>
+        <p:style>
+          <a:lnRef idx="2">
+            <a:schemeClr val="dk1"/>
+          </a:lnRef>
+          <a:fillRef idx="1">
+            <a:schemeClr val="lt1"/>
+          </a:fillRef>
+          <a:effectRef idx="0">
+            <a:schemeClr val="dk1"/>
+          </a:effectRef>
+          <a:fontRef idx="minor">
+            <a:schemeClr val="dk1"/>
+          </a:fontRef>
+        </p:style>
+        <p:txBody>
+          <a:bodyPr rtlCol="0" anchor="ctr"/>
+          <a:lstStyle/>
+          <a:p>
+            <a:pPr algn="ctr"/>
+            <a:r>
+              <a:rPr lang="en-US" dirty="0" smtClean="0"/>
+              <a:t>Colleague</a:t>
+            </a:r>
+            <a:endParaRPr lang="en-US" dirty="0"/>
+          </a:p>
+        </p:txBody>
+      </p:sp>
+      <p:sp>
+        <p:nvSpPr>
+          <p:cNvPr id="11" name="Rectangle 10"/>
+          <p:cNvSpPr/>
+          <p:nvPr/>
+        </p:nvSpPr>
+        <p:spPr>
+          <a:xfrm>
+            <a:off x="1098310" y="2341144"/>
+            <a:ext cx="1132632" cy="583538"/>
+          </a:xfrm>
+          <a:prstGeom prst="rect">
+            <a:avLst/>
+          </a:prstGeom>
+        </p:spPr>
+        <p:style>
+          <a:lnRef idx="2">
+            <a:schemeClr val="dk1"/>
+          </a:lnRef>
+          <a:fillRef idx="1">
+            <a:schemeClr val="lt1"/>
+          </a:fillRef>
+          <a:effectRef idx="0">
+            <a:schemeClr val="dk1"/>
+          </a:effectRef>
+          <a:fontRef idx="minor">
+            <a:schemeClr val="dk1"/>
+          </a:fontRef>
+        </p:style>
+        <p:txBody>
+          <a:bodyPr rtlCol="0" anchor="ctr"/>
+          <a:lstStyle/>
+          <a:p>
+            <a:pPr algn="ctr"/>
+            <a:r>
+              <a:rPr lang="en-US" dirty="0" smtClean="0"/>
+              <a:t>Colleague</a:t>
+            </a:r>
+            <a:endParaRPr lang="en-US" dirty="0"/>
+          </a:p>
+        </p:txBody>
+      </p:sp>
+      <p:sp>
+        <p:nvSpPr>
+          <p:cNvPr id="12" name="Rectangle 11"/>
+          <p:cNvSpPr/>
+          <p:nvPr/>
+        </p:nvSpPr>
+        <p:spPr>
+          <a:xfrm>
+            <a:off x="531994" y="3723233"/>
+            <a:ext cx="1132632" cy="583538"/>
+          </a:xfrm>
+          <a:prstGeom prst="rect">
+            <a:avLst/>
+          </a:prstGeom>
+        </p:spPr>
+        <p:style>
+          <a:lnRef idx="2">
+            <a:schemeClr val="dk1"/>
+          </a:lnRef>
+          <a:fillRef idx="1">
+            <a:schemeClr val="lt1"/>
+          </a:fillRef>
+          <a:effectRef idx="0">
+            <a:schemeClr val="dk1"/>
+          </a:effectRef>
+          <a:fontRef idx="minor">
+            <a:schemeClr val="dk1"/>
+          </a:fontRef>
+        </p:style>
+        <p:txBody>
+          <a:bodyPr rtlCol="0" anchor="ctr"/>
+          <a:lstStyle/>
+          <a:p>
+            <a:pPr algn="ctr"/>
+            <a:r>
+              <a:rPr lang="en-US" dirty="0" smtClean="0"/>
+              <a:t>Colleague</a:t>
+            </a:r>
+            <a:endParaRPr lang="en-US" dirty="0"/>
+          </a:p>
+        </p:txBody>
+      </p:sp>
+      <p:sp>
+        <p:nvSpPr>
+          <p:cNvPr id="13" name="Rectangle 12"/>
+          <p:cNvSpPr/>
+          <p:nvPr/>
+        </p:nvSpPr>
+        <p:spPr>
+          <a:xfrm>
+            <a:off x="3056629" y="5124549"/>
+            <a:ext cx="1132632" cy="583538"/>
+          </a:xfrm>
+          <a:prstGeom prst="rect">
+            <a:avLst/>
+          </a:prstGeom>
+        </p:spPr>
+        <p:style>
+          <a:lnRef idx="2">
+            <a:schemeClr val="dk1"/>
+          </a:lnRef>
+          <a:fillRef idx="1">
+            <a:schemeClr val="lt1"/>
+          </a:fillRef>
+          <a:effectRef idx="0">
+            <a:schemeClr val="dk1"/>
+          </a:effectRef>
+          <a:fontRef idx="minor">
+            <a:schemeClr val="dk1"/>
+          </a:fontRef>
+        </p:style>
+        <p:txBody>
+          <a:bodyPr rtlCol="0" anchor="ctr"/>
+          <a:lstStyle/>
+          <a:p>
+            <a:pPr algn="ctr"/>
+            <a:r>
+              <a:rPr lang="en-US" dirty="0" smtClean="0"/>
+              <a:t>Colleague</a:t>
+            </a:r>
+            <a:endParaRPr lang="en-US" dirty="0"/>
+          </a:p>
+        </p:txBody>
+      </p:sp>
+      <p:sp>
+        <p:nvSpPr>
+          <p:cNvPr id="14" name="Rectangle 13"/>
+          <p:cNvSpPr/>
+          <p:nvPr/>
+        </p:nvSpPr>
+        <p:spPr>
+          <a:xfrm>
+            <a:off x="6363427" y="4163429"/>
+            <a:ext cx="1132632" cy="583538"/>
+          </a:xfrm>
+          <a:prstGeom prst="rect">
+            <a:avLst/>
+          </a:prstGeom>
+        </p:spPr>
+        <p:style>
+          <a:lnRef idx="2">
+            <a:schemeClr val="dk1"/>
+          </a:lnRef>
+          <a:fillRef idx="1">
+            <a:schemeClr val="lt1"/>
+          </a:fillRef>
+          <a:effectRef idx="0">
+            <a:schemeClr val="dk1"/>
+          </a:effectRef>
+          <a:fontRef idx="minor">
+            <a:schemeClr val="dk1"/>
+          </a:fontRef>
+        </p:style>
+        <p:txBody>
+          <a:bodyPr rtlCol="0" anchor="ctr"/>
+          <a:lstStyle/>
+          <a:p>
+            <a:pPr algn="ctr"/>
+            <a:r>
+              <a:rPr lang="en-US" dirty="0" smtClean="0"/>
+              <a:t>Colleague</a:t>
+            </a:r>
+            <a:endParaRPr lang="en-US" dirty="0"/>
+          </a:p>
+        </p:txBody>
+      </p:sp>
+      <p:cxnSp>
+        <p:nvCxnSpPr>
+          <p:cNvPr id="28" name="Straight Arrow Connector 27"/>
+          <p:cNvCxnSpPr>
+            <a:stCxn id="11" idx="3"/>
+            <a:endCxn id="4" idx="0"/>
+          </p:cNvCxnSpPr>
+          <p:nvPr/>
+        </p:nvCxnSpPr>
+        <p:spPr>
+          <a:xfrm>
+            <a:off x="2230942" y="2632913"/>
+            <a:ext cx="1834782" cy="669352"/>
+          </a:xfrm>
+          <a:prstGeom prst="straightConnector1">
+            <a:avLst/>
+          </a:prstGeom>
+          <a:ln>
+            <a:headEnd type="arrow"/>
+            <a:tailEnd type="arrow"/>
+          </a:ln>
+        </p:spPr>
+        <p:style>
+          <a:lnRef idx="1">
+            <a:schemeClr val="dk1"/>
+          </a:lnRef>
+          <a:fillRef idx="0">
+            <a:schemeClr val="dk1"/>
+          </a:fillRef>
+          <a:effectRef idx="0">
+            <a:schemeClr val="dk1"/>
+          </a:effectRef>
+          <a:fontRef idx="minor">
+            <a:schemeClr val="tx1"/>
+          </a:fontRef>
+        </p:style>
+      </p:cxnSp>
+      <p:cxnSp>
+        <p:nvCxnSpPr>
+          <p:cNvPr id="30" name="Straight Arrow Connector 29"/>
+          <p:cNvCxnSpPr>
+            <a:stCxn id="9" idx="2"/>
+            <a:endCxn id="4" idx="0"/>
+          </p:cNvCxnSpPr>
+          <p:nvPr/>
+        </p:nvCxnSpPr>
+        <p:spPr>
+          <a:xfrm>
+            <a:off x="3233197" y="2292039"/>
+            <a:ext cx="832527" cy="1010226"/>
+          </a:xfrm>
+          <a:prstGeom prst="straightConnector1">
+            <a:avLst/>
+          </a:prstGeom>
+          <a:ln>
+            <a:headEnd type="arrow"/>
+            <a:tailEnd type="arrow"/>
+          </a:ln>
+        </p:spPr>
+        <p:style>
+          <a:lnRef idx="1">
+            <a:schemeClr val="dk1"/>
+          </a:lnRef>
+          <a:fillRef idx="0">
+            <a:schemeClr val="dk1"/>
+          </a:fillRef>
+          <a:effectRef idx="0">
+            <a:schemeClr val="dk1"/>
+          </a:effectRef>
+          <a:fontRef idx="minor">
+            <a:schemeClr val="tx1"/>
+          </a:fontRef>
+        </p:style>
+      </p:cxnSp>
+      <p:cxnSp>
+        <p:nvCxnSpPr>
+          <p:cNvPr id="31" name="Straight Arrow Connector 30"/>
+          <p:cNvCxnSpPr>
+            <a:stCxn id="10" idx="2"/>
+            <a:endCxn id="4" idx="0"/>
+          </p:cNvCxnSpPr>
+          <p:nvPr/>
+        </p:nvCxnSpPr>
+        <p:spPr>
+          <a:xfrm flipH="1">
+            <a:off x="4065724" y="2232446"/>
+            <a:ext cx="904414" cy="1069819"/>
+          </a:xfrm>
+          <a:prstGeom prst="straightConnector1">
+            <a:avLst/>
+          </a:prstGeom>
+          <a:ln>
+            <a:headEnd type="arrow"/>
+            <a:tailEnd type="arrow"/>
+          </a:ln>
+        </p:spPr>
+        <p:style>
+          <a:lnRef idx="1">
+            <a:schemeClr val="dk1"/>
+          </a:lnRef>
+          <a:fillRef idx="0">
+            <a:schemeClr val="dk1"/>
+          </a:fillRef>
+          <a:effectRef idx="0">
+            <a:schemeClr val="dk1"/>
+          </a:effectRef>
+          <a:fontRef idx="minor">
+            <a:schemeClr val="tx1"/>
+          </a:fontRef>
+        </p:style>
+      </p:cxnSp>
+      <p:cxnSp>
+        <p:nvCxnSpPr>
+          <p:cNvPr id="32" name="Straight Arrow Connector 31"/>
+          <p:cNvCxnSpPr>
+            <a:stCxn id="5" idx="2"/>
+            <a:endCxn id="4" idx="3"/>
+          </p:cNvCxnSpPr>
+          <p:nvPr/>
+        </p:nvCxnSpPr>
+        <p:spPr>
+          <a:xfrm flipH="1">
+            <a:off x="5159767" y="2292039"/>
+            <a:ext cx="1622534" cy="1512479"/>
+          </a:xfrm>
+          <a:prstGeom prst="straightConnector1">
+            <a:avLst/>
+          </a:prstGeom>
+          <a:ln>
+            <a:headEnd type="arrow"/>
+            <a:tailEnd type="arrow"/>
+          </a:ln>
+        </p:spPr>
+        <p:style>
+          <a:lnRef idx="1">
+            <a:schemeClr val="dk1"/>
+          </a:lnRef>
+          <a:fillRef idx="0">
+            <a:schemeClr val="dk1"/>
+          </a:fillRef>
+          <a:effectRef idx="0">
+            <a:schemeClr val="dk1"/>
+          </a:effectRef>
+          <a:fontRef idx="minor">
+            <a:schemeClr val="tx1"/>
+          </a:fontRef>
+        </p:style>
+      </p:cxnSp>
+      <p:cxnSp>
+        <p:nvCxnSpPr>
+          <p:cNvPr id="33" name="Straight Arrow Connector 32"/>
+          <p:cNvCxnSpPr>
+            <a:stCxn id="14" idx="1"/>
+            <a:endCxn id="4" idx="3"/>
+          </p:cNvCxnSpPr>
+          <p:nvPr/>
+        </p:nvCxnSpPr>
+        <p:spPr>
+          <a:xfrm flipH="1" flipV="1">
+            <a:off x="5159767" y="3804518"/>
+            <a:ext cx="1203660" cy="650680"/>
+          </a:xfrm>
+          <a:prstGeom prst="straightConnector1">
+            <a:avLst/>
+          </a:prstGeom>
+          <a:ln>
+            <a:headEnd type="arrow"/>
+            <a:tailEnd type="arrow"/>
+          </a:ln>
+        </p:spPr>
+        <p:style>
+          <a:lnRef idx="1">
+            <a:schemeClr val="dk1"/>
+          </a:lnRef>
+          <a:fillRef idx="0">
+            <a:schemeClr val="dk1"/>
+          </a:fillRef>
+          <a:effectRef idx="0">
+            <a:schemeClr val="dk1"/>
+          </a:effectRef>
+          <a:fontRef idx="minor">
+            <a:schemeClr val="tx1"/>
+          </a:fontRef>
+        </p:style>
+      </p:cxnSp>
+      <p:cxnSp>
+        <p:nvCxnSpPr>
+          <p:cNvPr id="34" name="Straight Arrow Connector 33"/>
+          <p:cNvCxnSpPr>
+            <a:stCxn id="8" idx="1"/>
+            <a:endCxn id="4" idx="3"/>
+          </p:cNvCxnSpPr>
+          <p:nvPr/>
+        </p:nvCxnSpPr>
+        <p:spPr>
+          <a:xfrm flipH="1">
+            <a:off x="5159767" y="3167028"/>
+            <a:ext cx="1769976" cy="637490"/>
+          </a:xfrm>
+          <a:prstGeom prst="straightConnector1">
+            <a:avLst/>
+          </a:prstGeom>
+          <a:ln>
+            <a:headEnd type="arrow"/>
+            <a:tailEnd type="arrow"/>
+          </a:ln>
+        </p:spPr>
+        <p:style>
+          <a:lnRef idx="1">
+            <a:schemeClr val="dk1"/>
+          </a:lnRef>
+          <a:fillRef idx="0">
+            <a:schemeClr val="dk1"/>
+          </a:fillRef>
+          <a:effectRef idx="0">
+            <a:schemeClr val="dk1"/>
+          </a:effectRef>
+          <a:fontRef idx="minor">
+            <a:schemeClr val="tx1"/>
+          </a:fontRef>
+        </p:style>
+      </p:cxnSp>
+      <p:cxnSp>
+        <p:nvCxnSpPr>
+          <p:cNvPr id="35" name="Straight Arrow Connector 34"/>
+          <p:cNvCxnSpPr>
+            <a:stCxn id="7" idx="0"/>
+            <a:endCxn id="4" idx="2"/>
+          </p:cNvCxnSpPr>
+          <p:nvPr/>
+        </p:nvCxnSpPr>
+        <p:spPr>
+          <a:xfrm flipH="1" flipV="1">
+            <a:off x="4065724" y="4306771"/>
+            <a:ext cx="1373484" cy="1109547"/>
+          </a:xfrm>
+          <a:prstGeom prst="straightConnector1">
+            <a:avLst/>
+          </a:prstGeom>
+          <a:ln>
+            <a:headEnd type="arrow"/>
+            <a:tailEnd type="arrow"/>
+          </a:ln>
+        </p:spPr>
+        <p:style>
+          <a:lnRef idx="1">
+            <a:schemeClr val="dk1"/>
+          </a:lnRef>
+          <a:fillRef idx="0">
+            <a:schemeClr val="dk1"/>
+          </a:fillRef>
+          <a:effectRef idx="0">
+            <a:schemeClr val="dk1"/>
+          </a:effectRef>
+          <a:fontRef idx="minor">
+            <a:schemeClr val="tx1"/>
+          </a:fontRef>
+        </p:style>
+      </p:cxnSp>
+      <p:cxnSp>
+        <p:nvCxnSpPr>
+          <p:cNvPr id="36" name="Straight Arrow Connector 35"/>
+          <p:cNvCxnSpPr>
+            <a:stCxn id="13" idx="0"/>
+            <a:endCxn id="4" idx="2"/>
+          </p:cNvCxnSpPr>
+          <p:nvPr/>
+        </p:nvCxnSpPr>
+        <p:spPr>
+          <a:xfrm flipV="1">
+            <a:off x="3622945" y="4306771"/>
+            <a:ext cx="442779" cy="817778"/>
+          </a:xfrm>
+          <a:prstGeom prst="straightConnector1">
+            <a:avLst/>
+          </a:prstGeom>
+          <a:ln>
+            <a:headEnd type="arrow"/>
+            <a:tailEnd type="arrow"/>
+          </a:ln>
+        </p:spPr>
+        <p:style>
+          <a:lnRef idx="1">
+            <a:schemeClr val="dk1"/>
+          </a:lnRef>
+          <a:fillRef idx="0">
+            <a:schemeClr val="dk1"/>
+          </a:fillRef>
+          <a:effectRef idx="0">
+            <a:schemeClr val="dk1"/>
+          </a:effectRef>
+          <a:fontRef idx="minor">
+            <a:schemeClr val="tx1"/>
+          </a:fontRef>
+        </p:style>
+      </p:cxnSp>
+      <p:cxnSp>
+        <p:nvCxnSpPr>
+          <p:cNvPr id="37" name="Straight Arrow Connector 36"/>
+          <p:cNvCxnSpPr>
+            <a:stCxn id="6" idx="0"/>
+            <a:endCxn id="4" idx="1"/>
+          </p:cNvCxnSpPr>
+          <p:nvPr/>
+        </p:nvCxnSpPr>
+        <p:spPr>
+          <a:xfrm flipV="1">
+            <a:off x="2002461" y="3804518"/>
+            <a:ext cx="969220" cy="1028262"/>
+          </a:xfrm>
+          <a:prstGeom prst="straightConnector1">
+            <a:avLst/>
+          </a:prstGeom>
+          <a:ln>
+            <a:headEnd type="arrow"/>
+            <a:tailEnd type="arrow"/>
+          </a:ln>
+        </p:spPr>
+        <p:style>
+          <a:lnRef idx="1">
+            <a:schemeClr val="dk1"/>
+          </a:lnRef>
+          <a:fillRef idx="0">
+            <a:schemeClr val="dk1"/>
+          </a:fillRef>
+          <a:effectRef idx="0">
+            <a:schemeClr val="dk1"/>
+          </a:effectRef>
+          <a:fontRef idx="minor">
+            <a:schemeClr val="tx1"/>
+          </a:fontRef>
+        </p:style>
+      </p:cxnSp>
+      <p:cxnSp>
+        <p:nvCxnSpPr>
+          <p:cNvPr id="54" name="Straight Arrow Connector 53"/>
+          <p:cNvCxnSpPr>
+            <a:stCxn id="12" idx="3"/>
+            <a:endCxn id="4" idx="1"/>
+          </p:cNvCxnSpPr>
+          <p:nvPr/>
+        </p:nvCxnSpPr>
+        <p:spPr>
+          <a:xfrm flipV="1">
+            <a:off x="1664626" y="3804518"/>
+            <a:ext cx="1307055" cy="210484"/>
+          </a:xfrm>
+          <a:prstGeom prst="straightConnector1">
+            <a:avLst/>
+          </a:prstGeom>
+          <a:ln>
+            <a:headEnd type="arrow"/>
+            <a:tailEnd type="arrow"/>
+          </a:ln>
+        </p:spPr>
+        <p:style>
+          <a:lnRef idx="1">
+            <a:schemeClr val="dk1"/>
+          </a:lnRef>
+          <a:fillRef idx="0">
+            <a:schemeClr val="dk1"/>
+          </a:fillRef>
+          <a:effectRef idx="0">
+            <a:schemeClr val="dk1"/>
+          </a:effectRef>
+          <a:fontRef idx="minor">
+            <a:schemeClr val="tx1"/>
+          </a:fontRef>
+        </p:style>
+      </p:cxnSp>
+    </p:spTree>
+    <p:extLst>
+      <p:ext uri="{BB962C8B-B14F-4D97-AF65-F5344CB8AC3E}">
+        <p14:creationId xmlns:p14="http://schemas.microsoft.com/office/powerpoint/2010/main" val="267341729"/>
+      </p:ext>
+    </p:extLst>
+  </p:cSld>
+  <p:clrMapOvr>
+    <a:masterClrMapping/>
+  </p:clrMapOvr>
+</p:sld>
+</file>
+
+<file path=ppt/slides/slide25.xml><?xml version="1.0" encoding="utf-8"?>
+<p:sld xmlns:a="http://schemas.openxmlformats.org/drawingml/2006/main" xmlns:r="http://schemas.openxmlformats.org/officeDocument/2006/relationships" xmlns:p="http://schemas.openxmlformats.org/presentationml/2006/main">
+  <p:cSld>
+    <p:spTree>
+      <p:nvGrpSpPr>
+        <p:cNvPr id="1" name=""/>
+        <p:cNvGrpSpPr/>
+        <p:nvPr/>
+      </p:nvGrpSpPr>
+      <p:grpSpPr>
+        <a:xfrm>
+          <a:off x="0" y="0"/>
+          <a:ext cx="0" cy="0"/>
+          <a:chOff x="0" y="0"/>
+          <a:chExt cx="0" cy="0"/>
+        </a:xfrm>
+      </p:grpSpPr>
+      <p:sp>
+        <p:nvSpPr>
+          <p:cNvPr id="2" name="Title 1"/>
+          <p:cNvSpPr>
+            <a:spLocks noGrp="1"/>
+          </p:cNvSpPr>
+          <p:nvPr>
+            <p:ph type="title"/>
+          </p:nvPr>
+        </p:nvSpPr>
+        <p:spPr/>
+        <p:txBody>
+          <a:bodyPr/>
+          <a:lstStyle/>
+          <a:p>
+            <a:r>
+              <a:rPr lang="en-US" dirty="0" smtClean="0"/>
+              <a:t>Mediator</a:t>
+            </a:r>
+            <a:endParaRPr lang="en-US" dirty="0"/>
+          </a:p>
+        </p:txBody>
+      </p:sp>
+      <p:sp>
+        <p:nvSpPr>
+          <p:cNvPr id="4" name="Rectangle 3"/>
+          <p:cNvSpPr/>
+          <p:nvPr/>
+        </p:nvSpPr>
+        <p:spPr>
+          <a:xfrm>
+            <a:off x="2971681" y="3302265"/>
+            <a:ext cx="2188086" cy="1004506"/>
+          </a:xfrm>
+          <a:prstGeom prst="rect">
+            <a:avLst/>
+          </a:prstGeom>
+        </p:spPr>
+        <p:style>
+          <a:lnRef idx="2">
+            <a:schemeClr val="dk1"/>
+          </a:lnRef>
+          <a:fillRef idx="1">
+            <a:schemeClr val="lt1"/>
+          </a:fillRef>
+          <a:effectRef idx="0">
+            <a:schemeClr val="dk1"/>
+          </a:effectRef>
+          <a:fontRef idx="minor">
+            <a:schemeClr val="dk1"/>
+          </a:fontRef>
+        </p:style>
+        <p:txBody>
+          <a:bodyPr rtlCol="0" anchor="ctr"/>
+          <a:lstStyle/>
+          <a:p>
+            <a:pPr algn="ctr"/>
+            <a:r>
+              <a:rPr lang="en-US" dirty="0" smtClean="0"/>
+              <a:t>Mediator</a:t>
+            </a:r>
+            <a:endParaRPr lang="en-US" dirty="0"/>
+          </a:p>
+        </p:txBody>
+      </p:sp>
+      <p:sp>
+        <p:nvSpPr>
+          <p:cNvPr id="5" name="Rectangle 4"/>
+          <p:cNvSpPr/>
+          <p:nvPr/>
+        </p:nvSpPr>
+        <p:spPr>
+          <a:xfrm>
+            <a:off x="6215985" y="1708501"/>
+            <a:ext cx="1132632" cy="583538"/>
+          </a:xfrm>
+          <a:prstGeom prst="rect">
+            <a:avLst/>
+          </a:prstGeom>
+        </p:spPr>
+        <p:style>
+          <a:lnRef idx="2">
+            <a:schemeClr val="dk1"/>
+          </a:lnRef>
+          <a:fillRef idx="1">
+            <a:schemeClr val="lt1"/>
+          </a:fillRef>
+          <a:effectRef idx="0">
+            <a:schemeClr val="dk1"/>
+          </a:effectRef>
+          <a:fontRef idx="minor">
+            <a:schemeClr val="dk1"/>
+          </a:fontRef>
+        </p:style>
+        <p:txBody>
+          <a:bodyPr rtlCol="0" anchor="ctr"/>
+          <a:lstStyle/>
+          <a:p>
+            <a:pPr algn="ctr"/>
+            <a:r>
+              <a:rPr lang="en-US" dirty="0" smtClean="0"/>
+              <a:t>Colleague</a:t>
+            </a:r>
+            <a:endParaRPr lang="en-US" dirty="0"/>
+          </a:p>
+        </p:txBody>
+      </p:sp>
+      <p:sp>
+        <p:nvSpPr>
+          <p:cNvPr id="6" name="Rectangle 5"/>
+          <p:cNvSpPr/>
+          <p:nvPr/>
+        </p:nvSpPr>
+        <p:spPr>
+          <a:xfrm>
+            <a:off x="1436145" y="4832780"/>
+            <a:ext cx="1132632" cy="583538"/>
+          </a:xfrm>
+          <a:prstGeom prst="rect">
+            <a:avLst/>
+          </a:prstGeom>
+        </p:spPr>
+        <p:style>
+          <a:lnRef idx="2">
+            <a:schemeClr val="dk1"/>
+          </a:lnRef>
+          <a:fillRef idx="1">
+            <a:schemeClr val="lt1"/>
+          </a:fillRef>
+          <a:effectRef idx="0">
+            <a:schemeClr val="dk1"/>
+          </a:effectRef>
+          <a:fontRef idx="minor">
+            <a:schemeClr val="dk1"/>
+          </a:fontRef>
+        </p:style>
+        <p:txBody>
+          <a:bodyPr rtlCol="0" anchor="ctr"/>
+          <a:lstStyle/>
+          <a:p>
+            <a:pPr algn="ctr"/>
+            <a:r>
+              <a:rPr lang="en-US" dirty="0" smtClean="0"/>
+              <a:t>Colleague</a:t>
+            </a:r>
+            <a:endParaRPr lang="en-US" dirty="0"/>
+          </a:p>
+        </p:txBody>
+      </p:sp>
+      <p:sp>
+        <p:nvSpPr>
+          <p:cNvPr id="7" name="Rectangle 6"/>
+          <p:cNvSpPr/>
+          <p:nvPr/>
+        </p:nvSpPr>
+        <p:spPr>
+          <a:xfrm>
+            <a:off x="4872892" y="4746967"/>
+            <a:ext cx="1132632" cy="583538"/>
+          </a:xfrm>
+          <a:prstGeom prst="rect">
+            <a:avLst/>
+          </a:prstGeom>
+        </p:spPr>
+        <p:style>
+          <a:lnRef idx="2">
+            <a:schemeClr val="dk1"/>
+          </a:lnRef>
+          <a:fillRef idx="1">
+            <a:schemeClr val="lt1"/>
+          </a:fillRef>
+          <a:effectRef idx="0">
+            <a:schemeClr val="dk1"/>
+          </a:effectRef>
+          <a:fontRef idx="minor">
+            <a:schemeClr val="dk1"/>
+          </a:fontRef>
+        </p:style>
+        <p:txBody>
+          <a:bodyPr rtlCol="0" anchor="ctr"/>
+          <a:lstStyle/>
+          <a:p>
+            <a:pPr algn="ctr"/>
+            <a:r>
+              <a:rPr lang="en-US" dirty="0" smtClean="0"/>
+              <a:t>Colleague</a:t>
+            </a:r>
+            <a:endParaRPr lang="en-US" dirty="0"/>
+          </a:p>
+        </p:txBody>
+      </p:sp>
+      <p:sp>
+        <p:nvSpPr>
+          <p:cNvPr id="8" name="Rectangle 7"/>
+          <p:cNvSpPr/>
+          <p:nvPr/>
+        </p:nvSpPr>
+        <p:spPr>
+          <a:xfrm>
+            <a:off x="6929743" y="2875259"/>
+            <a:ext cx="1132632" cy="583538"/>
+          </a:xfrm>
+          <a:prstGeom prst="rect">
+            <a:avLst/>
+          </a:prstGeom>
+        </p:spPr>
+        <p:style>
+          <a:lnRef idx="2">
+            <a:schemeClr val="dk1"/>
+          </a:lnRef>
+          <a:fillRef idx="1">
+            <a:schemeClr val="lt1"/>
+          </a:fillRef>
+          <a:effectRef idx="0">
+            <a:schemeClr val="dk1"/>
+          </a:effectRef>
+          <a:fontRef idx="minor">
+            <a:schemeClr val="dk1"/>
+          </a:fontRef>
+        </p:style>
+        <p:txBody>
+          <a:bodyPr rtlCol="0" anchor="ctr"/>
+          <a:lstStyle/>
+          <a:p>
+            <a:pPr algn="ctr"/>
+            <a:r>
+              <a:rPr lang="en-US" dirty="0" smtClean="0"/>
+              <a:t>Colleague</a:t>
+            </a:r>
+            <a:endParaRPr lang="en-US" dirty="0"/>
+          </a:p>
+        </p:txBody>
+      </p:sp>
+      <p:sp>
+        <p:nvSpPr>
+          <p:cNvPr id="9" name="Rectangle 8"/>
+          <p:cNvSpPr/>
+          <p:nvPr/>
+        </p:nvSpPr>
+        <p:spPr>
+          <a:xfrm>
+            <a:off x="2666881" y="1708501"/>
+            <a:ext cx="1132632" cy="583538"/>
+          </a:xfrm>
+          <a:prstGeom prst="rect">
+            <a:avLst/>
+          </a:prstGeom>
+        </p:spPr>
+        <p:style>
+          <a:lnRef idx="2">
+            <a:schemeClr val="dk1"/>
+          </a:lnRef>
+          <a:fillRef idx="1">
+            <a:schemeClr val="lt1"/>
+          </a:fillRef>
+          <a:effectRef idx="0">
+            <a:schemeClr val="dk1"/>
+          </a:effectRef>
+          <a:fontRef idx="minor">
+            <a:schemeClr val="dk1"/>
+          </a:fontRef>
+        </p:style>
+        <p:txBody>
+          <a:bodyPr rtlCol="0" anchor="ctr"/>
+          <a:lstStyle/>
+          <a:p>
+            <a:pPr algn="ctr"/>
+            <a:r>
+              <a:rPr lang="en-US" dirty="0" smtClean="0"/>
+              <a:t>Colleague</a:t>
+            </a:r>
+            <a:endParaRPr lang="en-US" dirty="0"/>
+          </a:p>
+        </p:txBody>
+      </p:sp>
+      <p:sp>
+        <p:nvSpPr>
+          <p:cNvPr id="10" name="Rectangle 9"/>
+          <p:cNvSpPr/>
+          <p:nvPr/>
+        </p:nvSpPr>
+        <p:spPr>
+          <a:xfrm>
+            <a:off x="4403822" y="1648908"/>
+            <a:ext cx="1132632" cy="583538"/>
+          </a:xfrm>
+          <a:prstGeom prst="rect">
+            <a:avLst/>
+          </a:prstGeom>
+        </p:spPr>
+        <p:style>
+          <a:lnRef idx="2">
+            <a:schemeClr val="dk1"/>
+          </a:lnRef>
+          <a:fillRef idx="1">
+            <a:schemeClr val="lt1"/>
+          </a:fillRef>
+          <a:effectRef idx="0">
+            <a:schemeClr val="dk1"/>
+          </a:effectRef>
+          <a:fontRef idx="minor">
+            <a:schemeClr val="dk1"/>
+          </a:fontRef>
+        </p:style>
+        <p:txBody>
+          <a:bodyPr rtlCol="0" anchor="ctr"/>
+          <a:lstStyle/>
+          <a:p>
+            <a:pPr algn="ctr"/>
+            <a:r>
+              <a:rPr lang="en-US" dirty="0" smtClean="0"/>
+              <a:t>Colleague</a:t>
+            </a:r>
+            <a:endParaRPr lang="en-US" dirty="0"/>
+          </a:p>
+        </p:txBody>
+      </p:sp>
+      <p:sp>
+        <p:nvSpPr>
+          <p:cNvPr id="11" name="Rectangle 10"/>
+          <p:cNvSpPr/>
+          <p:nvPr/>
+        </p:nvSpPr>
+        <p:spPr>
+          <a:xfrm>
+            <a:off x="1098310" y="2341144"/>
+            <a:ext cx="1132632" cy="583538"/>
+          </a:xfrm>
+          <a:prstGeom prst="rect">
+            <a:avLst/>
+          </a:prstGeom>
+        </p:spPr>
+        <p:style>
+          <a:lnRef idx="2">
+            <a:schemeClr val="dk1"/>
+          </a:lnRef>
+          <a:fillRef idx="1">
+            <a:schemeClr val="lt1"/>
+          </a:fillRef>
+          <a:effectRef idx="0">
+            <a:schemeClr val="dk1"/>
+          </a:effectRef>
+          <a:fontRef idx="minor">
+            <a:schemeClr val="dk1"/>
+          </a:fontRef>
+        </p:style>
+        <p:txBody>
+          <a:bodyPr rtlCol="0" anchor="ctr"/>
+          <a:lstStyle/>
+          <a:p>
+            <a:pPr algn="ctr"/>
+            <a:r>
+              <a:rPr lang="en-US" dirty="0" smtClean="0"/>
+              <a:t>Colleague</a:t>
+            </a:r>
+            <a:endParaRPr lang="en-US" dirty="0"/>
+          </a:p>
+        </p:txBody>
+      </p:sp>
+      <p:sp>
+        <p:nvSpPr>
+          <p:cNvPr id="12" name="Rectangle 11"/>
+          <p:cNvSpPr/>
+          <p:nvPr/>
+        </p:nvSpPr>
+        <p:spPr>
+          <a:xfrm>
+            <a:off x="531994" y="3723233"/>
+            <a:ext cx="1132632" cy="583538"/>
+          </a:xfrm>
+          <a:prstGeom prst="rect">
+            <a:avLst/>
+          </a:prstGeom>
+        </p:spPr>
+        <p:style>
+          <a:lnRef idx="2">
+            <a:schemeClr val="dk1"/>
+          </a:lnRef>
+          <a:fillRef idx="1">
+            <a:schemeClr val="lt1"/>
+          </a:fillRef>
+          <a:effectRef idx="0">
+            <a:schemeClr val="dk1"/>
+          </a:effectRef>
+          <a:fontRef idx="minor">
+            <a:schemeClr val="dk1"/>
+          </a:fontRef>
+        </p:style>
+        <p:txBody>
+          <a:bodyPr rtlCol="0" anchor="ctr"/>
+          <a:lstStyle/>
+          <a:p>
+            <a:pPr algn="ctr"/>
+            <a:r>
+              <a:rPr lang="en-US" dirty="0" smtClean="0"/>
+              <a:t>Colleague</a:t>
+            </a:r>
+            <a:endParaRPr lang="en-US" dirty="0"/>
+          </a:p>
+        </p:txBody>
+      </p:sp>
+      <p:sp>
+        <p:nvSpPr>
+          <p:cNvPr id="13" name="Rectangle 12"/>
+          <p:cNvSpPr/>
+          <p:nvPr/>
+        </p:nvSpPr>
+        <p:spPr>
+          <a:xfrm>
+            <a:off x="3056629" y="5124549"/>
+            <a:ext cx="1132632" cy="583538"/>
+          </a:xfrm>
+          <a:prstGeom prst="rect">
+            <a:avLst/>
+          </a:prstGeom>
+        </p:spPr>
+        <p:style>
+          <a:lnRef idx="2">
+            <a:schemeClr val="dk1"/>
+          </a:lnRef>
+          <a:fillRef idx="1">
+            <a:schemeClr val="lt1"/>
+          </a:fillRef>
+          <a:effectRef idx="0">
+            <a:schemeClr val="dk1"/>
+          </a:effectRef>
+          <a:fontRef idx="minor">
+            <a:schemeClr val="dk1"/>
+          </a:fontRef>
+        </p:style>
+        <p:txBody>
+          <a:bodyPr rtlCol="0" anchor="ctr"/>
+          <a:lstStyle/>
+          <a:p>
+            <a:pPr algn="ctr"/>
+            <a:r>
+              <a:rPr lang="en-US" dirty="0" smtClean="0"/>
+              <a:t>Colleague</a:t>
+            </a:r>
+            <a:endParaRPr lang="en-US" dirty="0"/>
+          </a:p>
+        </p:txBody>
+      </p:sp>
+      <p:sp>
+        <p:nvSpPr>
+          <p:cNvPr id="14" name="Rectangle 13"/>
+          <p:cNvSpPr/>
+          <p:nvPr/>
+        </p:nvSpPr>
+        <p:spPr>
+          <a:xfrm>
+            <a:off x="6363427" y="4163429"/>
+            <a:ext cx="1132632" cy="583538"/>
+          </a:xfrm>
+          <a:prstGeom prst="rect">
+            <a:avLst/>
+          </a:prstGeom>
+        </p:spPr>
+        <p:style>
+          <a:lnRef idx="2">
+            <a:schemeClr val="dk1"/>
+          </a:lnRef>
+          <a:fillRef idx="1">
+            <a:schemeClr val="lt1"/>
+          </a:fillRef>
+          <a:effectRef idx="0">
+            <a:schemeClr val="dk1"/>
+          </a:effectRef>
+          <a:fontRef idx="minor">
+            <a:schemeClr val="dk1"/>
+          </a:fontRef>
+        </p:style>
+        <p:txBody>
+          <a:bodyPr rtlCol="0" anchor="ctr"/>
+          <a:lstStyle/>
+          <a:p>
+            <a:pPr algn="ctr"/>
+            <a:r>
+              <a:rPr lang="en-US" dirty="0" smtClean="0"/>
+              <a:t>Colleague</a:t>
+            </a:r>
+            <a:endParaRPr lang="en-US" dirty="0"/>
+          </a:p>
+        </p:txBody>
+      </p:sp>
+      <p:cxnSp>
+        <p:nvCxnSpPr>
+          <p:cNvPr id="28" name="Straight Arrow Connector 27"/>
+          <p:cNvCxnSpPr>
+            <a:stCxn id="11" idx="3"/>
+            <a:endCxn id="4" idx="0"/>
+          </p:cNvCxnSpPr>
+          <p:nvPr/>
+        </p:nvCxnSpPr>
+        <p:spPr>
+          <a:xfrm>
+            <a:off x="2230942" y="2632913"/>
+            <a:ext cx="1834782" cy="669352"/>
+          </a:xfrm>
+          <a:prstGeom prst="straightConnector1">
+            <a:avLst/>
+          </a:prstGeom>
+          <a:ln>
+            <a:headEnd type="arrow"/>
+            <a:tailEnd type="arrow"/>
+          </a:ln>
+        </p:spPr>
+        <p:style>
+          <a:lnRef idx="1">
+            <a:schemeClr val="dk1"/>
+          </a:lnRef>
+          <a:fillRef idx="0">
+            <a:schemeClr val="dk1"/>
+          </a:fillRef>
+          <a:effectRef idx="0">
+            <a:schemeClr val="dk1"/>
+          </a:effectRef>
+          <a:fontRef idx="minor">
+            <a:schemeClr val="tx1"/>
+          </a:fontRef>
+        </p:style>
+      </p:cxnSp>
+      <p:cxnSp>
+        <p:nvCxnSpPr>
+          <p:cNvPr id="30" name="Straight Arrow Connector 29"/>
+          <p:cNvCxnSpPr>
+            <a:stCxn id="9" idx="2"/>
+            <a:endCxn id="4" idx="0"/>
+          </p:cNvCxnSpPr>
+          <p:nvPr/>
+        </p:nvCxnSpPr>
+        <p:spPr>
+          <a:xfrm>
+            <a:off x="3233197" y="2292039"/>
+            <a:ext cx="832527" cy="1010226"/>
+          </a:xfrm>
+          <a:prstGeom prst="straightConnector1">
+            <a:avLst/>
+          </a:prstGeom>
+          <a:ln>
+            <a:headEnd type="arrow"/>
+            <a:tailEnd type="arrow"/>
+          </a:ln>
+        </p:spPr>
+        <p:style>
+          <a:lnRef idx="1">
+            <a:schemeClr val="dk1"/>
+          </a:lnRef>
+          <a:fillRef idx="0">
+            <a:schemeClr val="dk1"/>
+          </a:fillRef>
+          <a:effectRef idx="0">
+            <a:schemeClr val="dk1"/>
+          </a:effectRef>
+          <a:fontRef idx="minor">
+            <a:schemeClr val="tx1"/>
+          </a:fontRef>
+        </p:style>
+      </p:cxnSp>
+      <p:cxnSp>
+        <p:nvCxnSpPr>
+          <p:cNvPr id="31" name="Straight Arrow Connector 30"/>
+          <p:cNvCxnSpPr>
+            <a:stCxn id="10" idx="2"/>
+            <a:endCxn id="4" idx="0"/>
+          </p:cNvCxnSpPr>
+          <p:nvPr/>
+        </p:nvCxnSpPr>
+        <p:spPr>
+          <a:xfrm flipH="1">
+            <a:off x="4065724" y="2232446"/>
+            <a:ext cx="904414" cy="1069819"/>
+          </a:xfrm>
+          <a:prstGeom prst="straightConnector1">
+            <a:avLst/>
+          </a:prstGeom>
+          <a:ln>
+            <a:headEnd type="arrow"/>
+            <a:tailEnd type="arrow"/>
+          </a:ln>
+        </p:spPr>
+        <p:style>
+          <a:lnRef idx="1">
+            <a:schemeClr val="dk1"/>
+          </a:lnRef>
+          <a:fillRef idx="0">
+            <a:schemeClr val="dk1"/>
+          </a:fillRef>
+          <a:effectRef idx="0">
+            <a:schemeClr val="dk1"/>
+          </a:effectRef>
+          <a:fontRef idx="minor">
+            <a:schemeClr val="tx1"/>
+          </a:fontRef>
+        </p:style>
+      </p:cxnSp>
+      <p:cxnSp>
+        <p:nvCxnSpPr>
+          <p:cNvPr id="32" name="Straight Arrow Connector 31"/>
+          <p:cNvCxnSpPr>
+            <a:stCxn id="5" idx="2"/>
+            <a:endCxn id="4" idx="3"/>
+          </p:cNvCxnSpPr>
+          <p:nvPr/>
+        </p:nvCxnSpPr>
+        <p:spPr>
+          <a:xfrm flipH="1">
+            <a:off x="5159767" y="2292039"/>
+            <a:ext cx="1622534" cy="1512479"/>
+          </a:xfrm>
+          <a:prstGeom prst="straightConnector1">
+            <a:avLst/>
+          </a:prstGeom>
+          <a:ln>
+            <a:headEnd type="arrow"/>
+            <a:tailEnd type="arrow"/>
+          </a:ln>
+        </p:spPr>
+        <p:style>
+          <a:lnRef idx="1">
+            <a:schemeClr val="dk1"/>
+          </a:lnRef>
+          <a:fillRef idx="0">
+            <a:schemeClr val="dk1"/>
+          </a:fillRef>
+          <a:effectRef idx="0">
+            <a:schemeClr val="dk1"/>
+          </a:effectRef>
+          <a:fontRef idx="minor">
+            <a:schemeClr val="tx1"/>
+          </a:fontRef>
+        </p:style>
+      </p:cxnSp>
+      <p:cxnSp>
+        <p:nvCxnSpPr>
+          <p:cNvPr id="33" name="Straight Arrow Connector 32"/>
+          <p:cNvCxnSpPr>
+            <a:stCxn id="14" idx="1"/>
+            <a:endCxn id="4" idx="3"/>
+          </p:cNvCxnSpPr>
+          <p:nvPr/>
+        </p:nvCxnSpPr>
+        <p:spPr>
+          <a:xfrm flipH="1" flipV="1">
+            <a:off x="5159767" y="3804518"/>
+            <a:ext cx="1203660" cy="650680"/>
+          </a:xfrm>
+          <a:prstGeom prst="straightConnector1">
+            <a:avLst/>
+          </a:prstGeom>
+          <a:ln>
+            <a:headEnd type="arrow"/>
+            <a:tailEnd type="arrow"/>
+          </a:ln>
+        </p:spPr>
+        <p:style>
+          <a:lnRef idx="1">
+            <a:schemeClr val="dk1"/>
+          </a:lnRef>
+          <a:fillRef idx="0">
+            <a:schemeClr val="dk1"/>
+          </a:fillRef>
+          <a:effectRef idx="0">
+            <a:schemeClr val="dk1"/>
+          </a:effectRef>
+          <a:fontRef idx="minor">
+            <a:schemeClr val="tx1"/>
+          </a:fontRef>
+        </p:style>
+      </p:cxnSp>
+      <p:cxnSp>
+        <p:nvCxnSpPr>
+          <p:cNvPr id="34" name="Straight Arrow Connector 33"/>
+          <p:cNvCxnSpPr>
+            <a:stCxn id="8" idx="1"/>
+            <a:endCxn id="4" idx="3"/>
+          </p:cNvCxnSpPr>
+          <p:nvPr/>
+        </p:nvCxnSpPr>
+        <p:spPr>
+          <a:xfrm flipH="1">
+            <a:off x="5159767" y="3167028"/>
+            <a:ext cx="1769976" cy="637490"/>
+          </a:xfrm>
+          <a:prstGeom prst="straightConnector1">
+            <a:avLst/>
+          </a:prstGeom>
+          <a:ln>
+            <a:headEnd type="arrow"/>
+            <a:tailEnd type="arrow"/>
+          </a:ln>
+        </p:spPr>
+        <p:style>
+          <a:lnRef idx="1">
+            <a:schemeClr val="dk1"/>
+          </a:lnRef>
+          <a:fillRef idx="0">
+            <a:schemeClr val="dk1"/>
+          </a:fillRef>
+          <a:effectRef idx="0">
+            <a:schemeClr val="dk1"/>
+          </a:effectRef>
+          <a:fontRef idx="minor">
+            <a:schemeClr val="tx1"/>
+          </a:fontRef>
+        </p:style>
+      </p:cxnSp>
+      <p:cxnSp>
+        <p:nvCxnSpPr>
+          <p:cNvPr id="35" name="Straight Arrow Connector 34"/>
+          <p:cNvCxnSpPr>
+            <a:stCxn id="7" idx="0"/>
+            <a:endCxn id="4" idx="2"/>
+          </p:cNvCxnSpPr>
+          <p:nvPr/>
+        </p:nvCxnSpPr>
+        <p:spPr>
+          <a:xfrm flipH="1" flipV="1">
+            <a:off x="4065724" y="4306771"/>
+            <a:ext cx="1373484" cy="440196"/>
+          </a:xfrm>
+          <a:prstGeom prst="straightConnector1">
+            <a:avLst/>
+          </a:prstGeom>
+          <a:ln>
+            <a:headEnd type="arrow"/>
+            <a:tailEnd type="arrow"/>
+          </a:ln>
+        </p:spPr>
+        <p:style>
+          <a:lnRef idx="1">
+            <a:schemeClr val="dk1"/>
+          </a:lnRef>
+          <a:fillRef idx="0">
+            <a:schemeClr val="dk1"/>
+          </a:fillRef>
+          <a:effectRef idx="0">
+            <a:schemeClr val="dk1"/>
+          </a:effectRef>
+          <a:fontRef idx="minor">
+            <a:schemeClr val="tx1"/>
+          </a:fontRef>
+        </p:style>
+      </p:cxnSp>
+      <p:cxnSp>
+        <p:nvCxnSpPr>
+          <p:cNvPr id="36" name="Straight Arrow Connector 35"/>
+          <p:cNvCxnSpPr>
+            <a:stCxn id="13" idx="0"/>
+            <a:endCxn id="4" idx="2"/>
+          </p:cNvCxnSpPr>
+          <p:nvPr/>
+        </p:nvCxnSpPr>
+        <p:spPr>
+          <a:xfrm flipV="1">
+            <a:off x="3622945" y="4306771"/>
+            <a:ext cx="442779" cy="817778"/>
+          </a:xfrm>
+          <a:prstGeom prst="straightConnector1">
+            <a:avLst/>
+          </a:prstGeom>
+          <a:ln>
+            <a:headEnd type="arrow"/>
+            <a:tailEnd type="arrow"/>
+          </a:ln>
+        </p:spPr>
+        <p:style>
+          <a:lnRef idx="1">
+            <a:schemeClr val="dk1"/>
+          </a:lnRef>
+          <a:fillRef idx="0">
+            <a:schemeClr val="dk1"/>
+          </a:fillRef>
+          <a:effectRef idx="0">
+            <a:schemeClr val="dk1"/>
+          </a:effectRef>
+          <a:fontRef idx="minor">
+            <a:schemeClr val="tx1"/>
+          </a:fontRef>
+        </p:style>
+      </p:cxnSp>
+      <p:cxnSp>
+        <p:nvCxnSpPr>
+          <p:cNvPr id="37" name="Straight Arrow Connector 36"/>
+          <p:cNvCxnSpPr>
+            <a:stCxn id="6" idx="0"/>
+            <a:endCxn id="4" idx="1"/>
+          </p:cNvCxnSpPr>
+          <p:nvPr/>
+        </p:nvCxnSpPr>
+        <p:spPr>
+          <a:xfrm flipV="1">
+            <a:off x="2002461" y="3804518"/>
+            <a:ext cx="969220" cy="1028262"/>
+          </a:xfrm>
+          <a:prstGeom prst="straightConnector1">
+            <a:avLst/>
+          </a:prstGeom>
+          <a:ln>
+            <a:headEnd type="arrow"/>
+            <a:tailEnd type="arrow"/>
+          </a:ln>
+        </p:spPr>
+        <p:style>
+          <a:lnRef idx="1">
+            <a:schemeClr val="dk1"/>
+          </a:lnRef>
+          <a:fillRef idx="0">
+            <a:schemeClr val="dk1"/>
+          </a:fillRef>
+          <a:effectRef idx="0">
+            <a:schemeClr val="dk1"/>
+          </a:effectRef>
+          <a:fontRef idx="minor">
+            <a:schemeClr val="tx1"/>
+          </a:fontRef>
+        </p:style>
+      </p:cxnSp>
+      <p:cxnSp>
+        <p:nvCxnSpPr>
+          <p:cNvPr id="54" name="Straight Arrow Connector 53"/>
+          <p:cNvCxnSpPr>
+            <a:stCxn id="12" idx="3"/>
+            <a:endCxn id="4" idx="1"/>
+          </p:cNvCxnSpPr>
+          <p:nvPr/>
+        </p:nvCxnSpPr>
+        <p:spPr>
+          <a:xfrm flipV="1">
+            <a:off x="1664626" y="3804518"/>
+            <a:ext cx="1307055" cy="210484"/>
+          </a:xfrm>
+          <a:prstGeom prst="straightConnector1">
+            <a:avLst/>
+          </a:prstGeom>
+          <a:ln>
+            <a:headEnd type="arrow"/>
+            <a:tailEnd type="arrow"/>
+          </a:ln>
+        </p:spPr>
+        <p:style>
+          <a:lnRef idx="1">
+            <a:schemeClr val="dk1"/>
+          </a:lnRef>
+          <a:fillRef idx="0">
+            <a:schemeClr val="dk1"/>
+          </a:fillRef>
+          <a:effectRef idx="0">
+            <a:schemeClr val="dk1"/>
+          </a:effectRef>
+          <a:fontRef idx="minor">
+            <a:schemeClr val="tx1"/>
+          </a:fontRef>
+        </p:style>
+      </p:cxnSp>
+      <p:sp>
+        <p:nvSpPr>
+          <p:cNvPr id="24" name="TextBox 23"/>
+          <p:cNvSpPr txBox="1"/>
+          <p:nvPr/>
+        </p:nvSpPr>
+        <p:spPr>
+          <a:xfrm>
+            <a:off x="2268935" y="5869704"/>
+            <a:ext cx="4172937" cy="369332"/>
+          </a:xfrm>
+          <a:prstGeom prst="rect">
+            <a:avLst/>
+          </a:prstGeom>
+          <a:noFill/>
+        </p:spPr>
+        <p:txBody>
+          <a:bodyPr wrap="none" rtlCol="0">
+            <a:spAutoFit/>
+          </a:bodyPr>
+          <a:lstStyle/>
+          <a:p>
+            <a:r>
+              <a:rPr lang="en-US" dirty="0"/>
+              <a:t>https://</a:t>
+            </a:r>
+            <a:r>
+              <a:rPr lang="en-US" dirty="0" err="1"/>
+              <a:t>github.com</a:t>
+            </a:r>
+            <a:r>
+              <a:rPr lang="en-US" dirty="0"/>
+              <a:t>/</a:t>
+            </a:r>
+            <a:r>
+              <a:rPr lang="en-US" dirty="0" err="1"/>
+              <a:t>lackita</a:t>
+            </a:r>
+            <a:r>
+              <a:rPr lang="en-US" dirty="0"/>
+              <a:t>/</a:t>
+            </a:r>
+            <a:r>
+              <a:rPr lang="en-US" dirty="0" err="1"/>
+              <a:t>DesignPatterns</a:t>
+            </a:r>
+            <a:endParaRPr lang="en-US" dirty="0"/>
+          </a:p>
+        </p:txBody>
+      </p:sp>
+    </p:spTree>
+    <p:extLst>
+      <p:ext uri="{BB962C8B-B14F-4D97-AF65-F5344CB8AC3E}">
+        <p14:creationId xmlns:p14="http://schemas.microsoft.com/office/powerpoint/2010/main" val="1580100487"/>
+      </p:ext>
+    </p:extLst>
+  </p:cSld>
+  <p:clrMapOvr>
+    <a:masterClrMapping/>
+  </p:clrMapOvr>
+</p:sld>
+</file>
+
 <file path=ppt/slides/slide3.xml><?xml version="1.0" encoding="utf-8"?>
 <p:sld xmlns:a="http://schemas.openxmlformats.org/drawingml/2006/main" xmlns:r="http://schemas.openxmlformats.org/officeDocument/2006/relationships" xmlns:p="http://schemas.openxmlformats.org/presentationml/2006/main">
   <p:cSld>
@@ -11352,11 +14227,7 @@
           <a:p>
             <a:r>
               <a:rPr lang="en-US" dirty="0" smtClean="0"/>
-              <a:t>When </a:t>
-            </a:r>
-            <a:r>
-              <a:rPr lang="en-US" dirty="0" smtClean="0"/>
-              <a:t>designing a new class hierarchy, though implementation details may differ, you often find yourself using the same kinds of solutions over and over again.</a:t>
+              <a:t>When designing a new class hierarchy, though implementation details may differ, you often find yourself using the same kinds of solutions over and over again.</a:t>
             </a:r>
           </a:p>
           <a:p>
@@ -11470,15 +14341,7 @@
           <a:p>
             <a:r>
               <a:rPr lang="en-US" dirty="0" smtClean="0"/>
-              <a:t>This book is not a good choice for a person that is </a:t>
-            </a:r>
-            <a:r>
-              <a:rPr lang="en-US" dirty="0" smtClean="0"/>
-              <a:t>beginning </a:t>
-            </a:r>
-            <a:r>
-              <a:rPr lang="en-US" dirty="0" smtClean="0"/>
-              <a:t>in design patterns.</a:t>
+              <a:t>This book is not a good choice for a person that is beginning in design patterns.</a:t>
             </a:r>
           </a:p>
           <a:p>
